--- a/Smart_RealEstate_Prototype.PPTX
+++ b/Smart_RealEstate_Prototype.PPTX
@@ -5,13 +5,14 @@
     <p:sldMasterId id="2147483648" r:id="rId1"/>
   </p:sldMasterIdLst>
   <p:notesMasterIdLst>
-    <p:notesMasterId r:id="rId6"/>
+    <p:notesMasterId r:id="rId7"/>
   </p:notesMasterIdLst>
   <p:sldIdLst>
     <p:sldId id="257" r:id="rId2"/>
     <p:sldId id="258" r:id="rId3"/>
     <p:sldId id="260" r:id="rId4"/>
-    <p:sldId id="261" r:id="rId5"/>
+    <p:sldId id="263" r:id="rId5"/>
+    <p:sldId id="261" r:id="rId6"/>
   </p:sldIdLst>
   <p:sldSz cx="9144000" cy="6858000" type="screen4x3"/>
   <p:notesSz cx="6858000" cy="9144000"/>
@@ -245,8 +246,11 @@
     </a:lvl9pPr>
   </p:defaultTextStyle>
   <p:extLst>
+    <p:ext uri="{EFAFB233-063F-42B5-8137-9DF3F51BA10A}">
+      <p15:sldGuideLst xmlns:p15="http://schemas.microsoft.com/office/powerpoint/2012/main"/>
+    </p:ext>
     <p:ext uri="http://customooxmlschemas.google.com/">
-      <go:slidesCustomData xmlns:go="http://customooxmlschemas.google.com/" xmlns:ahyp="http://schemas.microsoft.com/office/drawing/2018/hyperlinkcolor" xmlns:p15="http://schemas.microsoft.com/office/powerpoint/2012/main" xmlns:p14="http://schemas.microsoft.com/office/powerpoint/2010/main" xmlns:com="http://schemas.openxmlformats.org/drawingml/2006/compatibility" xmlns:pvml="urn:schemas-microsoft-com:office:powerpoint" xmlns:v="urn:schemas-microsoft-com:vml" xmlns:o="urn:schemas-microsoft-com:office:office" xmlns:dgm="http://schemas.openxmlformats.org/drawingml/2006/diagram" xmlns:c="http://schemas.openxmlformats.org/drawingml/2006/chart" xmlns:mv="urn:schemas-microsoft-com:mac:vml" xmlns:mc="http://schemas.openxmlformats.org/markup-compatibility/2006" xmlns="" r:id="rId11" roundtripDataSignature="AMtx7mh2Qzzt0TK9WX1znVHwlflHWBORlg=="/>
+      <go:slidesCustomData xmlns="" xmlns:mc="http://schemas.openxmlformats.org/markup-compatibility/2006" xmlns:mv="urn:schemas-microsoft-com:mac:vml" xmlns:c="http://schemas.openxmlformats.org/drawingml/2006/chart" xmlns:dgm="http://schemas.openxmlformats.org/drawingml/2006/diagram" xmlns:o="urn:schemas-microsoft-com:office:office" xmlns:v="urn:schemas-microsoft-com:vml" xmlns:pvml="urn:schemas-microsoft-com:office:powerpoint" xmlns:com="http://schemas.openxmlformats.org/drawingml/2006/compatibility" xmlns:p14="http://schemas.microsoft.com/office/powerpoint/2010/main" xmlns:p15="http://schemas.microsoft.com/office/powerpoint/2012/main" xmlns:ahyp="http://schemas.microsoft.com/office/drawing/2018/hyperlinkcolor" xmlns:go="http://customooxmlschemas.google.com/" r:id="rId11" roundtripDataSignature="AMtx7mh2Qzzt0TK9WX1znVHwlflHWBORlg=="/>
     </p:ext>
   </p:extLst>
 </p:presentation>
@@ -1104,6 +1108,115 @@
     </p:spTree>
     <p:extLst>
       <p:ext uri="{BB962C8B-B14F-4D97-AF65-F5344CB8AC3E}">
+        <p14:creationId xmlns:p14="http://schemas.microsoft.com/office/powerpoint/2010/main" val="3900794749"/>
+      </p:ext>
+    </p:extLst>
+  </p:cSld>
+  <p:clrMapOvr>
+    <a:masterClrMapping/>
+  </p:clrMapOvr>
+</p:notes>
+</file>
+
+<file path=ppt/notesSlides/notesSlide5.xml><?xml version="1.0" encoding="utf-8"?>
+<p:notes xmlns:a="http://schemas.openxmlformats.org/drawingml/2006/main" xmlns:r="http://schemas.openxmlformats.org/officeDocument/2006/relationships" xmlns:p="http://schemas.openxmlformats.org/presentationml/2006/main" showMasterSp="0" showMasterPhAnim="0">
+  <p:cSld>
+    <p:spTree>
+      <p:nvGrpSpPr>
+        <p:cNvPr id="1" name="Shape 183"/>
+        <p:cNvGrpSpPr/>
+        <p:nvPr/>
+      </p:nvGrpSpPr>
+      <p:grpSpPr>
+        <a:xfrm>
+          <a:off x="0" y="0"/>
+          <a:ext cx="0" cy="0"/>
+          <a:chOff x="0" y="0"/>
+          <a:chExt cx="0" cy="0"/>
+        </a:xfrm>
+      </p:grpSpPr>
+      <p:sp>
+        <p:nvSpPr>
+          <p:cNvPr id="184" name="Google Shape;184;p5:notes"/>
+          <p:cNvSpPr txBox="1">
+            <a:spLocks noGrp="1"/>
+          </p:cNvSpPr>
+          <p:nvPr>
+            <p:ph type="body" idx="1"/>
+          </p:nvPr>
+        </p:nvSpPr>
+        <p:spPr>
+          <a:xfrm>
+            <a:off x="685800" y="4343400"/>
+            <a:ext cx="5486400" cy="4114800"/>
+          </a:xfrm>
+          <a:prstGeom prst="rect">
+            <a:avLst/>
+          </a:prstGeom>
+        </p:spPr>
+        <p:txBody>
+          <a:bodyPr spcFirstLastPara="1" wrap="square" lIns="91425" tIns="91425" rIns="91425" bIns="91425" anchor="t" anchorCtr="0">
+            <a:noAutofit/>
+          </a:bodyPr>
+          <a:lstStyle/>
+          <a:p>
+            <a:pPr marL="0" lvl="0" indent="0" algn="l" rtl="0">
+              <a:spcBef>
+                <a:spcPts val="0"/>
+              </a:spcBef>
+              <a:spcAft>
+                <a:spcPts val="0"/>
+              </a:spcAft>
+              <a:buNone/>
+            </a:pPr>
+            <a:endParaRPr/>
+          </a:p>
+        </p:txBody>
+      </p:sp>
+      <p:sp>
+        <p:nvSpPr>
+          <p:cNvPr id="185" name="Google Shape;185;p5:notes"/>
+          <p:cNvSpPr>
+            <a:spLocks noGrp="1" noRot="1" noChangeAspect="1"/>
+          </p:cNvSpPr>
+          <p:nvPr>
+            <p:ph type="sldImg" idx="2"/>
+          </p:nvPr>
+        </p:nvSpPr>
+        <p:spPr>
+          <a:xfrm>
+            <a:off x="1143000" y="685800"/>
+            <a:ext cx="4572000" cy="3429000"/>
+          </a:xfrm>
+          <a:custGeom>
+            <a:avLst/>
+            <a:gdLst/>
+            <a:ahLst/>
+            <a:cxnLst/>
+            <a:rect l="l" t="t" r="r" b="b"/>
+            <a:pathLst>
+              <a:path w="120000" h="120000" extrusionOk="0">
+                <a:moveTo>
+                  <a:pt x="0" y="0"/>
+                </a:moveTo>
+                <a:lnTo>
+                  <a:pt x="120000" y="0"/>
+                </a:lnTo>
+                <a:lnTo>
+                  <a:pt x="120000" y="120000"/>
+                </a:lnTo>
+                <a:lnTo>
+                  <a:pt x="0" y="120000"/>
+                </a:lnTo>
+                <a:close/>
+              </a:path>
+            </a:pathLst>
+          </a:custGeom>
+        </p:spPr>
+      </p:sp>
+    </p:spTree>
+    <p:extLst>
+      <p:ext uri="{BB962C8B-B14F-4D97-AF65-F5344CB8AC3E}">
         <p14:creationId xmlns:p14="http://schemas.microsoft.com/office/powerpoint/2010/main" val="1351397423"/>
       </p:ext>
     </p:extLst>
@@ -1842,733 +1955,6 @@
 </file>
 
 <file path=ppt/slideLayouts/slideLayout10.xml><?xml version="1.0" encoding="utf-8"?>
-<p:sldLayout xmlns:a="http://schemas.openxmlformats.org/drawingml/2006/main" xmlns:r="http://schemas.openxmlformats.org/officeDocument/2006/relationships" xmlns:p="http://schemas.openxmlformats.org/presentationml/2006/main" matchingName="Title and Vertical Text" type="vertTx">
-  <p:cSld name="VERTICAL_TEXT">
-    <p:spTree>
-      <p:nvGrpSpPr>
-        <p:cNvPr id="1" name="Shape 68"/>
-        <p:cNvGrpSpPr/>
-        <p:nvPr/>
-      </p:nvGrpSpPr>
-      <p:grpSpPr>
-        <a:xfrm>
-          <a:off x="0" y="0"/>
-          <a:ext cx="0" cy="0"/>
-          <a:chOff x="0" y="0"/>
-          <a:chExt cx="0" cy="0"/>
-        </a:xfrm>
-      </p:grpSpPr>
-      <p:sp>
-        <p:nvSpPr>
-          <p:cNvPr id="69" name="Google Shape;69;p17"/>
-          <p:cNvSpPr txBox="1">
-            <a:spLocks noGrp="1"/>
-          </p:cNvSpPr>
-          <p:nvPr>
-            <p:ph type="title"/>
-          </p:nvPr>
-        </p:nvSpPr>
-        <p:spPr>
-          <a:xfrm>
-            <a:off x="628650" y="365126"/>
-            <a:ext cx="7886700" cy="1325563"/>
-          </a:xfrm>
-          <a:prstGeom prst="rect">
-            <a:avLst/>
-          </a:prstGeom>
-          <a:noFill/>
-          <a:ln>
-            <a:noFill/>
-          </a:ln>
-        </p:spPr>
-        <p:txBody>
-          <a:bodyPr spcFirstLastPara="1" wrap="square" lIns="91425" tIns="45700" rIns="91425" bIns="45700" anchor="ctr" anchorCtr="0">
-            <a:normAutofit/>
-          </a:bodyPr>
-          <a:lstStyle>
-            <a:lvl1pPr lvl="0" algn="l">
-              <a:lnSpc>
-                <a:spcPct val="90000"/>
-              </a:lnSpc>
-              <a:spcBef>
-                <a:spcPts val="0"/>
-              </a:spcBef>
-              <a:spcAft>
-                <a:spcPts val="0"/>
-              </a:spcAft>
-              <a:buClr>
-                <a:schemeClr val="dk1"/>
-              </a:buClr>
-              <a:buSzPts val="1800"/>
-              <a:buNone/>
-              <a:defRPr/>
-            </a:lvl1pPr>
-            <a:lvl2pPr lvl="1">
-              <a:spcBef>
-                <a:spcPts val="0"/>
-              </a:spcBef>
-              <a:spcAft>
-                <a:spcPts val="0"/>
-              </a:spcAft>
-              <a:buSzPts val="1400"/>
-              <a:buNone/>
-              <a:defRPr/>
-            </a:lvl2pPr>
-            <a:lvl3pPr lvl="2">
-              <a:spcBef>
-                <a:spcPts val="0"/>
-              </a:spcBef>
-              <a:spcAft>
-                <a:spcPts val="0"/>
-              </a:spcAft>
-              <a:buSzPts val="1400"/>
-              <a:buNone/>
-              <a:defRPr/>
-            </a:lvl3pPr>
-            <a:lvl4pPr lvl="3">
-              <a:spcBef>
-                <a:spcPts val="0"/>
-              </a:spcBef>
-              <a:spcAft>
-                <a:spcPts val="0"/>
-              </a:spcAft>
-              <a:buSzPts val="1400"/>
-              <a:buNone/>
-              <a:defRPr/>
-            </a:lvl4pPr>
-            <a:lvl5pPr lvl="4">
-              <a:spcBef>
-                <a:spcPts val="0"/>
-              </a:spcBef>
-              <a:spcAft>
-                <a:spcPts val="0"/>
-              </a:spcAft>
-              <a:buSzPts val="1400"/>
-              <a:buNone/>
-              <a:defRPr/>
-            </a:lvl5pPr>
-            <a:lvl6pPr lvl="5">
-              <a:spcBef>
-                <a:spcPts val="0"/>
-              </a:spcBef>
-              <a:spcAft>
-                <a:spcPts val="0"/>
-              </a:spcAft>
-              <a:buSzPts val="1400"/>
-              <a:buNone/>
-              <a:defRPr/>
-            </a:lvl6pPr>
-            <a:lvl7pPr lvl="6">
-              <a:spcBef>
-                <a:spcPts val="0"/>
-              </a:spcBef>
-              <a:spcAft>
-                <a:spcPts val="0"/>
-              </a:spcAft>
-              <a:buSzPts val="1400"/>
-              <a:buNone/>
-              <a:defRPr/>
-            </a:lvl7pPr>
-            <a:lvl8pPr lvl="7">
-              <a:spcBef>
-                <a:spcPts val="0"/>
-              </a:spcBef>
-              <a:spcAft>
-                <a:spcPts val="0"/>
-              </a:spcAft>
-              <a:buSzPts val="1400"/>
-              <a:buNone/>
-              <a:defRPr/>
-            </a:lvl8pPr>
-            <a:lvl9pPr lvl="8">
-              <a:spcBef>
-                <a:spcPts val="0"/>
-              </a:spcBef>
-              <a:spcAft>
-                <a:spcPts val="0"/>
-              </a:spcAft>
-              <a:buSzPts val="1400"/>
-              <a:buNone/>
-              <a:defRPr/>
-            </a:lvl9pPr>
-          </a:lstStyle>
-          <a:p>
-            <a:endParaRPr/>
-          </a:p>
-        </p:txBody>
-      </p:sp>
-      <p:sp>
-        <p:nvSpPr>
-          <p:cNvPr id="70" name="Google Shape;70;p17"/>
-          <p:cNvSpPr txBox="1">
-            <a:spLocks noGrp="1"/>
-          </p:cNvSpPr>
-          <p:nvPr>
-            <p:ph type="body" idx="1"/>
-          </p:nvPr>
-        </p:nvSpPr>
-        <p:spPr>
-          <a:xfrm rot="5400000">
-            <a:off x="2396331" y="57944"/>
-            <a:ext cx="4351338" cy="7886700"/>
-          </a:xfrm>
-          <a:prstGeom prst="rect">
-            <a:avLst/>
-          </a:prstGeom>
-          <a:noFill/>
-          <a:ln>
-            <a:noFill/>
-          </a:ln>
-        </p:spPr>
-        <p:txBody>
-          <a:bodyPr spcFirstLastPara="1" wrap="square" lIns="91425" tIns="45700" rIns="91425" bIns="45700" anchor="t" anchorCtr="0">
-            <a:normAutofit/>
-          </a:bodyPr>
-          <a:lstStyle>
-            <a:lvl1pPr marL="457200" lvl="0" indent="-342900" algn="l">
-              <a:lnSpc>
-                <a:spcPct val="90000"/>
-              </a:lnSpc>
-              <a:spcBef>
-                <a:spcPts val="1000"/>
-              </a:spcBef>
-              <a:spcAft>
-                <a:spcPts val="0"/>
-              </a:spcAft>
-              <a:buClr>
-                <a:schemeClr val="dk1"/>
-              </a:buClr>
-              <a:buSzPts val="1800"/>
-              <a:buChar char="•"/>
-              <a:defRPr/>
-            </a:lvl1pPr>
-            <a:lvl2pPr marL="914400" lvl="1" indent="-342900" algn="l">
-              <a:lnSpc>
-                <a:spcPct val="90000"/>
-              </a:lnSpc>
-              <a:spcBef>
-                <a:spcPts val="500"/>
-              </a:spcBef>
-              <a:spcAft>
-                <a:spcPts val="0"/>
-              </a:spcAft>
-              <a:buClr>
-                <a:schemeClr val="dk1"/>
-              </a:buClr>
-              <a:buSzPts val="1800"/>
-              <a:buChar char="•"/>
-              <a:defRPr/>
-            </a:lvl2pPr>
-            <a:lvl3pPr marL="1371600" lvl="2" indent="-342900" algn="l">
-              <a:lnSpc>
-                <a:spcPct val="90000"/>
-              </a:lnSpc>
-              <a:spcBef>
-                <a:spcPts val="500"/>
-              </a:spcBef>
-              <a:spcAft>
-                <a:spcPts val="0"/>
-              </a:spcAft>
-              <a:buClr>
-                <a:schemeClr val="dk1"/>
-              </a:buClr>
-              <a:buSzPts val="1800"/>
-              <a:buChar char="•"/>
-              <a:defRPr/>
-            </a:lvl3pPr>
-            <a:lvl4pPr marL="1828800" lvl="3" indent="-342900" algn="l">
-              <a:lnSpc>
-                <a:spcPct val="90000"/>
-              </a:lnSpc>
-              <a:spcBef>
-                <a:spcPts val="500"/>
-              </a:spcBef>
-              <a:spcAft>
-                <a:spcPts val="0"/>
-              </a:spcAft>
-              <a:buClr>
-                <a:schemeClr val="dk1"/>
-              </a:buClr>
-              <a:buSzPts val="1800"/>
-              <a:buChar char="•"/>
-              <a:defRPr/>
-            </a:lvl4pPr>
-            <a:lvl5pPr marL="2286000" lvl="4" indent="-342900" algn="l">
-              <a:lnSpc>
-                <a:spcPct val="90000"/>
-              </a:lnSpc>
-              <a:spcBef>
-                <a:spcPts val="500"/>
-              </a:spcBef>
-              <a:spcAft>
-                <a:spcPts val="0"/>
-              </a:spcAft>
-              <a:buClr>
-                <a:schemeClr val="dk1"/>
-              </a:buClr>
-              <a:buSzPts val="1800"/>
-              <a:buChar char="•"/>
-              <a:defRPr/>
-            </a:lvl5pPr>
-            <a:lvl6pPr marL="2743200" lvl="5" indent="-342900" algn="l">
-              <a:lnSpc>
-                <a:spcPct val="90000"/>
-              </a:lnSpc>
-              <a:spcBef>
-                <a:spcPts val="500"/>
-              </a:spcBef>
-              <a:spcAft>
-                <a:spcPts val="0"/>
-              </a:spcAft>
-              <a:buClr>
-                <a:schemeClr val="dk1"/>
-              </a:buClr>
-              <a:buSzPts val="1800"/>
-              <a:buChar char="•"/>
-              <a:defRPr/>
-            </a:lvl6pPr>
-            <a:lvl7pPr marL="3200400" lvl="6" indent="-342900" algn="l">
-              <a:lnSpc>
-                <a:spcPct val="90000"/>
-              </a:lnSpc>
-              <a:spcBef>
-                <a:spcPts val="500"/>
-              </a:spcBef>
-              <a:spcAft>
-                <a:spcPts val="0"/>
-              </a:spcAft>
-              <a:buClr>
-                <a:schemeClr val="dk1"/>
-              </a:buClr>
-              <a:buSzPts val="1800"/>
-              <a:buChar char="•"/>
-              <a:defRPr/>
-            </a:lvl7pPr>
-            <a:lvl8pPr marL="3657600" lvl="7" indent="-342900" algn="l">
-              <a:lnSpc>
-                <a:spcPct val="90000"/>
-              </a:lnSpc>
-              <a:spcBef>
-                <a:spcPts val="500"/>
-              </a:spcBef>
-              <a:spcAft>
-                <a:spcPts val="0"/>
-              </a:spcAft>
-              <a:buClr>
-                <a:schemeClr val="dk1"/>
-              </a:buClr>
-              <a:buSzPts val="1800"/>
-              <a:buChar char="•"/>
-              <a:defRPr/>
-            </a:lvl8pPr>
-            <a:lvl9pPr marL="4114800" lvl="8" indent="-342900" algn="l">
-              <a:lnSpc>
-                <a:spcPct val="90000"/>
-              </a:lnSpc>
-              <a:spcBef>
-                <a:spcPts val="500"/>
-              </a:spcBef>
-              <a:spcAft>
-                <a:spcPts val="0"/>
-              </a:spcAft>
-              <a:buClr>
-                <a:schemeClr val="dk1"/>
-              </a:buClr>
-              <a:buSzPts val="1800"/>
-              <a:buChar char="•"/>
-              <a:defRPr/>
-            </a:lvl9pPr>
-          </a:lstStyle>
-          <a:p>
-            <a:endParaRPr/>
-          </a:p>
-        </p:txBody>
-      </p:sp>
-      <p:sp>
-        <p:nvSpPr>
-          <p:cNvPr id="71" name="Google Shape;71;p17"/>
-          <p:cNvSpPr txBox="1">
-            <a:spLocks noGrp="1"/>
-          </p:cNvSpPr>
-          <p:nvPr>
-            <p:ph type="dt" idx="10"/>
-          </p:nvPr>
-        </p:nvSpPr>
-        <p:spPr>
-          <a:xfrm>
-            <a:off x="628650" y="6356351"/>
-            <a:ext cx="2057400" cy="365125"/>
-          </a:xfrm>
-          <a:prstGeom prst="rect">
-            <a:avLst/>
-          </a:prstGeom>
-          <a:noFill/>
-          <a:ln>
-            <a:noFill/>
-          </a:ln>
-        </p:spPr>
-        <p:txBody>
-          <a:bodyPr spcFirstLastPara="1" wrap="square" lIns="91425" tIns="45700" rIns="91425" bIns="45700" anchor="ctr" anchorCtr="0">
-            <a:noAutofit/>
-          </a:bodyPr>
-          <a:lstStyle>
-            <a:lvl1pPr lvl="0" algn="l">
-              <a:spcBef>
-                <a:spcPts val="0"/>
-              </a:spcBef>
-              <a:spcAft>
-                <a:spcPts val="0"/>
-              </a:spcAft>
-              <a:buSzPts val="1400"/>
-              <a:buNone/>
-              <a:defRPr/>
-            </a:lvl1pPr>
-            <a:lvl2pPr lvl="1" algn="l">
-              <a:spcBef>
-                <a:spcPts val="0"/>
-              </a:spcBef>
-              <a:spcAft>
-                <a:spcPts val="0"/>
-              </a:spcAft>
-              <a:buSzPts val="1400"/>
-              <a:buNone/>
-              <a:defRPr/>
-            </a:lvl2pPr>
-            <a:lvl3pPr lvl="2" algn="l">
-              <a:spcBef>
-                <a:spcPts val="0"/>
-              </a:spcBef>
-              <a:spcAft>
-                <a:spcPts val="0"/>
-              </a:spcAft>
-              <a:buSzPts val="1400"/>
-              <a:buNone/>
-              <a:defRPr/>
-            </a:lvl3pPr>
-            <a:lvl4pPr lvl="3" algn="l">
-              <a:spcBef>
-                <a:spcPts val="0"/>
-              </a:spcBef>
-              <a:spcAft>
-                <a:spcPts val="0"/>
-              </a:spcAft>
-              <a:buSzPts val="1400"/>
-              <a:buNone/>
-              <a:defRPr/>
-            </a:lvl4pPr>
-            <a:lvl5pPr lvl="4" algn="l">
-              <a:spcBef>
-                <a:spcPts val="0"/>
-              </a:spcBef>
-              <a:spcAft>
-                <a:spcPts val="0"/>
-              </a:spcAft>
-              <a:buSzPts val="1400"/>
-              <a:buNone/>
-              <a:defRPr/>
-            </a:lvl5pPr>
-            <a:lvl6pPr lvl="5" algn="l">
-              <a:spcBef>
-                <a:spcPts val="0"/>
-              </a:spcBef>
-              <a:spcAft>
-                <a:spcPts val="0"/>
-              </a:spcAft>
-              <a:buSzPts val="1400"/>
-              <a:buNone/>
-              <a:defRPr/>
-            </a:lvl6pPr>
-            <a:lvl7pPr lvl="6" algn="l">
-              <a:spcBef>
-                <a:spcPts val="0"/>
-              </a:spcBef>
-              <a:spcAft>
-                <a:spcPts val="0"/>
-              </a:spcAft>
-              <a:buSzPts val="1400"/>
-              <a:buNone/>
-              <a:defRPr/>
-            </a:lvl7pPr>
-            <a:lvl8pPr lvl="7" algn="l">
-              <a:spcBef>
-                <a:spcPts val="0"/>
-              </a:spcBef>
-              <a:spcAft>
-                <a:spcPts val="0"/>
-              </a:spcAft>
-              <a:buSzPts val="1400"/>
-              <a:buNone/>
-              <a:defRPr/>
-            </a:lvl8pPr>
-            <a:lvl9pPr lvl="8" algn="l">
-              <a:spcBef>
-                <a:spcPts val="0"/>
-              </a:spcBef>
-              <a:spcAft>
-                <a:spcPts val="0"/>
-              </a:spcAft>
-              <a:buSzPts val="1400"/>
-              <a:buNone/>
-              <a:defRPr/>
-            </a:lvl9pPr>
-          </a:lstStyle>
-          <a:p>
-            <a:endParaRPr/>
-          </a:p>
-        </p:txBody>
-      </p:sp>
-      <p:sp>
-        <p:nvSpPr>
-          <p:cNvPr id="72" name="Google Shape;72;p17"/>
-          <p:cNvSpPr txBox="1">
-            <a:spLocks noGrp="1"/>
-          </p:cNvSpPr>
-          <p:nvPr>
-            <p:ph type="ftr" idx="11"/>
-          </p:nvPr>
-        </p:nvSpPr>
-        <p:spPr>
-          <a:xfrm>
-            <a:off x="3028950" y="6356351"/>
-            <a:ext cx="3086100" cy="365125"/>
-          </a:xfrm>
-          <a:prstGeom prst="rect">
-            <a:avLst/>
-          </a:prstGeom>
-          <a:noFill/>
-          <a:ln>
-            <a:noFill/>
-          </a:ln>
-        </p:spPr>
-        <p:txBody>
-          <a:bodyPr spcFirstLastPara="1" wrap="square" lIns="91425" tIns="45700" rIns="91425" bIns="45700" anchor="ctr" anchorCtr="0">
-            <a:noAutofit/>
-          </a:bodyPr>
-          <a:lstStyle>
-            <a:lvl1pPr lvl="0" algn="ctr">
-              <a:spcBef>
-                <a:spcPts val="0"/>
-              </a:spcBef>
-              <a:spcAft>
-                <a:spcPts val="0"/>
-              </a:spcAft>
-              <a:buSzPts val="1400"/>
-              <a:buNone/>
-              <a:defRPr/>
-            </a:lvl1pPr>
-            <a:lvl2pPr lvl="1" algn="l">
-              <a:spcBef>
-                <a:spcPts val="0"/>
-              </a:spcBef>
-              <a:spcAft>
-                <a:spcPts val="0"/>
-              </a:spcAft>
-              <a:buSzPts val="1400"/>
-              <a:buNone/>
-              <a:defRPr/>
-            </a:lvl2pPr>
-            <a:lvl3pPr lvl="2" algn="l">
-              <a:spcBef>
-                <a:spcPts val="0"/>
-              </a:spcBef>
-              <a:spcAft>
-                <a:spcPts val="0"/>
-              </a:spcAft>
-              <a:buSzPts val="1400"/>
-              <a:buNone/>
-              <a:defRPr/>
-            </a:lvl3pPr>
-            <a:lvl4pPr lvl="3" algn="l">
-              <a:spcBef>
-                <a:spcPts val="0"/>
-              </a:spcBef>
-              <a:spcAft>
-                <a:spcPts val="0"/>
-              </a:spcAft>
-              <a:buSzPts val="1400"/>
-              <a:buNone/>
-              <a:defRPr/>
-            </a:lvl4pPr>
-            <a:lvl5pPr lvl="4" algn="l">
-              <a:spcBef>
-                <a:spcPts val="0"/>
-              </a:spcBef>
-              <a:spcAft>
-                <a:spcPts val="0"/>
-              </a:spcAft>
-              <a:buSzPts val="1400"/>
-              <a:buNone/>
-              <a:defRPr/>
-            </a:lvl5pPr>
-            <a:lvl6pPr lvl="5" algn="l">
-              <a:spcBef>
-                <a:spcPts val="0"/>
-              </a:spcBef>
-              <a:spcAft>
-                <a:spcPts val="0"/>
-              </a:spcAft>
-              <a:buSzPts val="1400"/>
-              <a:buNone/>
-              <a:defRPr/>
-            </a:lvl6pPr>
-            <a:lvl7pPr lvl="6" algn="l">
-              <a:spcBef>
-                <a:spcPts val="0"/>
-              </a:spcBef>
-              <a:spcAft>
-                <a:spcPts val="0"/>
-              </a:spcAft>
-              <a:buSzPts val="1400"/>
-              <a:buNone/>
-              <a:defRPr/>
-            </a:lvl7pPr>
-            <a:lvl8pPr lvl="7" algn="l">
-              <a:spcBef>
-                <a:spcPts val="0"/>
-              </a:spcBef>
-              <a:spcAft>
-                <a:spcPts val="0"/>
-              </a:spcAft>
-              <a:buSzPts val="1400"/>
-              <a:buNone/>
-              <a:defRPr/>
-            </a:lvl8pPr>
-            <a:lvl9pPr lvl="8" algn="l">
-              <a:spcBef>
-                <a:spcPts val="0"/>
-              </a:spcBef>
-              <a:spcAft>
-                <a:spcPts val="0"/>
-              </a:spcAft>
-              <a:buSzPts val="1400"/>
-              <a:buNone/>
-              <a:defRPr/>
-            </a:lvl9pPr>
-          </a:lstStyle>
-          <a:p>
-            <a:endParaRPr/>
-          </a:p>
-        </p:txBody>
-      </p:sp>
-      <p:sp>
-        <p:nvSpPr>
-          <p:cNvPr id="73" name="Google Shape;73;p17"/>
-          <p:cNvSpPr txBox="1">
-            <a:spLocks noGrp="1"/>
-          </p:cNvSpPr>
-          <p:nvPr>
-            <p:ph type="sldNum" idx="12"/>
-          </p:nvPr>
-        </p:nvSpPr>
-        <p:spPr>
-          <a:xfrm>
-            <a:off x="6457950" y="6356351"/>
-            <a:ext cx="2057400" cy="365125"/>
-          </a:xfrm>
-          <a:prstGeom prst="rect">
-            <a:avLst/>
-          </a:prstGeom>
-          <a:noFill/>
-          <a:ln>
-            <a:noFill/>
-          </a:ln>
-        </p:spPr>
-        <p:txBody>
-          <a:bodyPr spcFirstLastPara="1" wrap="square" lIns="91425" tIns="45700" rIns="91425" bIns="45700" anchor="ctr" anchorCtr="0">
-            <a:noAutofit/>
-          </a:bodyPr>
-          <a:lstStyle>
-            <a:lvl1pPr marL="0" lvl="0" indent="0" algn="r">
-              <a:spcBef>
-                <a:spcPts val="0"/>
-              </a:spcBef>
-              <a:buNone/>
-              <a:defRPr/>
-            </a:lvl1pPr>
-            <a:lvl2pPr marL="0" lvl="1" indent="0" algn="r">
-              <a:spcBef>
-                <a:spcPts val="0"/>
-              </a:spcBef>
-              <a:buNone/>
-              <a:defRPr/>
-            </a:lvl2pPr>
-            <a:lvl3pPr marL="0" lvl="2" indent="0" algn="r">
-              <a:spcBef>
-                <a:spcPts val="0"/>
-              </a:spcBef>
-              <a:buNone/>
-              <a:defRPr/>
-            </a:lvl3pPr>
-            <a:lvl4pPr marL="0" lvl="3" indent="0" algn="r">
-              <a:spcBef>
-                <a:spcPts val="0"/>
-              </a:spcBef>
-              <a:buNone/>
-              <a:defRPr/>
-            </a:lvl4pPr>
-            <a:lvl5pPr marL="0" lvl="4" indent="0" algn="r">
-              <a:spcBef>
-                <a:spcPts val="0"/>
-              </a:spcBef>
-              <a:buNone/>
-              <a:defRPr/>
-            </a:lvl5pPr>
-            <a:lvl6pPr marL="0" lvl="5" indent="0" algn="r">
-              <a:spcBef>
-                <a:spcPts val="0"/>
-              </a:spcBef>
-              <a:buNone/>
-              <a:defRPr/>
-            </a:lvl6pPr>
-            <a:lvl7pPr marL="0" lvl="6" indent="0" algn="r">
-              <a:spcBef>
-                <a:spcPts val="0"/>
-              </a:spcBef>
-              <a:buNone/>
-              <a:defRPr/>
-            </a:lvl7pPr>
-            <a:lvl8pPr marL="0" lvl="7" indent="0" algn="r">
-              <a:spcBef>
-                <a:spcPts val="0"/>
-              </a:spcBef>
-              <a:buNone/>
-              <a:defRPr/>
-            </a:lvl8pPr>
-            <a:lvl9pPr marL="0" lvl="8" indent="0" algn="r">
-              <a:spcBef>
-                <a:spcPts val="0"/>
-              </a:spcBef>
-              <a:buNone/>
-              <a:defRPr/>
-            </a:lvl9pPr>
-          </a:lstStyle>
-          <a:p>
-            <a:pPr marL="0" lvl="0" indent="0" algn="r" rtl="0">
-              <a:spcBef>
-                <a:spcPts val="0"/>
-              </a:spcBef>
-              <a:spcAft>
-                <a:spcPts val="0"/>
-              </a:spcAft>
-              <a:buNone/>
-            </a:pPr>
-            <a:fld id="{00000000-1234-1234-1234-123412341234}" type="slidenum">
-              <a:rPr lang="en-GB"/>
-              <a:t>‹#›</a:t>
-            </a:fld>
-            <a:endParaRPr/>
-          </a:p>
-        </p:txBody>
-      </p:sp>
-    </p:spTree>
-  </p:cSld>
-  <p:clrMapOvr>
-    <a:masterClrMapping/>
-  </p:clrMapOvr>
-</p:sldLayout>
-</file>
-
-<file path=ppt/slideLayouts/slideLayout11.xml><?xml version="1.0" encoding="utf-8"?>
 <p:sldLayout xmlns:a="http://schemas.openxmlformats.org/drawingml/2006/main" xmlns:r="http://schemas.openxmlformats.org/officeDocument/2006/relationships" xmlns:p="http://schemas.openxmlformats.org/presentationml/2006/main" matchingName="Vertical Title and Text" type="vertTitleAndTx">
   <p:cSld name="VERTICAL_TITLE_AND_VERTICAL_TEXT">
     <p:spTree>
@@ -3296,734 +2682,6 @@
 </file>
 
 <file path=ppt/slideLayouts/slideLayout2.xml><?xml version="1.0" encoding="utf-8"?>
-<p:sldLayout xmlns:a="http://schemas.openxmlformats.org/drawingml/2006/main" xmlns:r="http://schemas.openxmlformats.org/officeDocument/2006/relationships" xmlns:p="http://schemas.openxmlformats.org/presentationml/2006/main" matchingName="Title Slide" type="title">
-  <p:cSld name="TITLE">
-    <p:spTree>
-      <p:nvGrpSpPr>
-        <p:cNvPr id="1" name="Shape 17"/>
-        <p:cNvGrpSpPr/>
-        <p:nvPr/>
-      </p:nvGrpSpPr>
-      <p:grpSpPr>
-        <a:xfrm>
-          <a:off x="0" y="0"/>
-          <a:ext cx="0" cy="0"/>
-          <a:chOff x="0" y="0"/>
-          <a:chExt cx="0" cy="0"/>
-        </a:xfrm>
-      </p:grpSpPr>
-      <p:sp>
-        <p:nvSpPr>
-          <p:cNvPr id="18" name="Google Shape;18;p9"/>
-          <p:cNvSpPr txBox="1">
-            <a:spLocks noGrp="1"/>
-          </p:cNvSpPr>
-          <p:nvPr>
-            <p:ph type="ctrTitle"/>
-          </p:nvPr>
-        </p:nvSpPr>
-        <p:spPr>
-          <a:xfrm>
-            <a:off x="1143000" y="1122363"/>
-            <a:ext cx="6858000" cy="2387600"/>
-          </a:xfrm>
-          <a:prstGeom prst="rect">
-            <a:avLst/>
-          </a:prstGeom>
-          <a:noFill/>
-          <a:ln>
-            <a:noFill/>
-          </a:ln>
-        </p:spPr>
-        <p:txBody>
-          <a:bodyPr spcFirstLastPara="1" wrap="square" lIns="91425" tIns="45700" rIns="91425" bIns="45700" anchor="b" anchorCtr="0">
-            <a:normAutofit/>
-          </a:bodyPr>
-          <a:lstStyle>
-            <a:lvl1pPr lvl="0" algn="ctr">
-              <a:lnSpc>
-                <a:spcPct val="90000"/>
-              </a:lnSpc>
-              <a:spcBef>
-                <a:spcPts val="0"/>
-              </a:spcBef>
-              <a:spcAft>
-                <a:spcPts val="0"/>
-              </a:spcAft>
-              <a:buClr>
-                <a:schemeClr val="dk1"/>
-              </a:buClr>
-              <a:buSzPts val="6000"/>
-              <a:buFont typeface="Calibri"/>
-              <a:buNone/>
-              <a:defRPr sz="6000"/>
-            </a:lvl1pPr>
-            <a:lvl2pPr lvl="1">
-              <a:spcBef>
-                <a:spcPts val="0"/>
-              </a:spcBef>
-              <a:spcAft>
-                <a:spcPts val="0"/>
-              </a:spcAft>
-              <a:buSzPts val="1400"/>
-              <a:buNone/>
-              <a:defRPr/>
-            </a:lvl2pPr>
-            <a:lvl3pPr lvl="2">
-              <a:spcBef>
-                <a:spcPts val="0"/>
-              </a:spcBef>
-              <a:spcAft>
-                <a:spcPts val="0"/>
-              </a:spcAft>
-              <a:buSzPts val="1400"/>
-              <a:buNone/>
-              <a:defRPr/>
-            </a:lvl3pPr>
-            <a:lvl4pPr lvl="3">
-              <a:spcBef>
-                <a:spcPts val="0"/>
-              </a:spcBef>
-              <a:spcAft>
-                <a:spcPts val="0"/>
-              </a:spcAft>
-              <a:buSzPts val="1400"/>
-              <a:buNone/>
-              <a:defRPr/>
-            </a:lvl4pPr>
-            <a:lvl5pPr lvl="4">
-              <a:spcBef>
-                <a:spcPts val="0"/>
-              </a:spcBef>
-              <a:spcAft>
-                <a:spcPts val="0"/>
-              </a:spcAft>
-              <a:buSzPts val="1400"/>
-              <a:buNone/>
-              <a:defRPr/>
-            </a:lvl5pPr>
-            <a:lvl6pPr lvl="5">
-              <a:spcBef>
-                <a:spcPts val="0"/>
-              </a:spcBef>
-              <a:spcAft>
-                <a:spcPts val="0"/>
-              </a:spcAft>
-              <a:buSzPts val="1400"/>
-              <a:buNone/>
-              <a:defRPr/>
-            </a:lvl6pPr>
-            <a:lvl7pPr lvl="6">
-              <a:spcBef>
-                <a:spcPts val="0"/>
-              </a:spcBef>
-              <a:spcAft>
-                <a:spcPts val="0"/>
-              </a:spcAft>
-              <a:buSzPts val="1400"/>
-              <a:buNone/>
-              <a:defRPr/>
-            </a:lvl7pPr>
-            <a:lvl8pPr lvl="7">
-              <a:spcBef>
-                <a:spcPts val="0"/>
-              </a:spcBef>
-              <a:spcAft>
-                <a:spcPts val="0"/>
-              </a:spcAft>
-              <a:buSzPts val="1400"/>
-              <a:buNone/>
-              <a:defRPr/>
-            </a:lvl8pPr>
-            <a:lvl9pPr lvl="8">
-              <a:spcBef>
-                <a:spcPts val="0"/>
-              </a:spcBef>
-              <a:spcAft>
-                <a:spcPts val="0"/>
-              </a:spcAft>
-              <a:buSzPts val="1400"/>
-              <a:buNone/>
-              <a:defRPr/>
-            </a:lvl9pPr>
-          </a:lstStyle>
-          <a:p>
-            <a:endParaRPr/>
-          </a:p>
-        </p:txBody>
-      </p:sp>
-      <p:sp>
-        <p:nvSpPr>
-          <p:cNvPr id="19" name="Google Shape;19;p9"/>
-          <p:cNvSpPr txBox="1">
-            <a:spLocks noGrp="1"/>
-          </p:cNvSpPr>
-          <p:nvPr>
-            <p:ph type="subTitle" idx="1"/>
-          </p:nvPr>
-        </p:nvSpPr>
-        <p:spPr>
-          <a:xfrm>
-            <a:off x="1143000" y="3602038"/>
-            <a:ext cx="6858000" cy="1655762"/>
-          </a:xfrm>
-          <a:prstGeom prst="rect">
-            <a:avLst/>
-          </a:prstGeom>
-          <a:noFill/>
-          <a:ln>
-            <a:noFill/>
-          </a:ln>
-        </p:spPr>
-        <p:txBody>
-          <a:bodyPr spcFirstLastPara="1" wrap="square" lIns="91425" tIns="45700" rIns="91425" bIns="45700" anchor="t" anchorCtr="0">
-            <a:normAutofit/>
-          </a:bodyPr>
-          <a:lstStyle>
-            <a:lvl1pPr lvl="0" algn="ctr">
-              <a:lnSpc>
-                <a:spcPct val="90000"/>
-              </a:lnSpc>
-              <a:spcBef>
-                <a:spcPts val="1000"/>
-              </a:spcBef>
-              <a:spcAft>
-                <a:spcPts val="0"/>
-              </a:spcAft>
-              <a:buClr>
-                <a:schemeClr val="dk1"/>
-              </a:buClr>
-              <a:buSzPts val="2400"/>
-              <a:buNone/>
-              <a:defRPr sz="2400"/>
-            </a:lvl1pPr>
-            <a:lvl2pPr lvl="1" algn="ctr">
-              <a:lnSpc>
-                <a:spcPct val="90000"/>
-              </a:lnSpc>
-              <a:spcBef>
-                <a:spcPts val="500"/>
-              </a:spcBef>
-              <a:spcAft>
-                <a:spcPts val="0"/>
-              </a:spcAft>
-              <a:buClr>
-                <a:schemeClr val="dk1"/>
-              </a:buClr>
-              <a:buSzPts val="2000"/>
-              <a:buNone/>
-              <a:defRPr sz="2000"/>
-            </a:lvl2pPr>
-            <a:lvl3pPr lvl="2" algn="ctr">
-              <a:lnSpc>
-                <a:spcPct val="90000"/>
-              </a:lnSpc>
-              <a:spcBef>
-                <a:spcPts val="500"/>
-              </a:spcBef>
-              <a:spcAft>
-                <a:spcPts val="0"/>
-              </a:spcAft>
-              <a:buClr>
-                <a:schemeClr val="dk1"/>
-              </a:buClr>
-              <a:buSzPts val="1800"/>
-              <a:buNone/>
-              <a:defRPr sz="1800"/>
-            </a:lvl3pPr>
-            <a:lvl4pPr lvl="3" algn="ctr">
-              <a:lnSpc>
-                <a:spcPct val="90000"/>
-              </a:lnSpc>
-              <a:spcBef>
-                <a:spcPts val="500"/>
-              </a:spcBef>
-              <a:spcAft>
-                <a:spcPts val="0"/>
-              </a:spcAft>
-              <a:buClr>
-                <a:schemeClr val="dk1"/>
-              </a:buClr>
-              <a:buSzPts val="1600"/>
-              <a:buNone/>
-              <a:defRPr sz="1600"/>
-            </a:lvl4pPr>
-            <a:lvl5pPr lvl="4" algn="ctr">
-              <a:lnSpc>
-                <a:spcPct val="90000"/>
-              </a:lnSpc>
-              <a:spcBef>
-                <a:spcPts val="500"/>
-              </a:spcBef>
-              <a:spcAft>
-                <a:spcPts val="0"/>
-              </a:spcAft>
-              <a:buClr>
-                <a:schemeClr val="dk1"/>
-              </a:buClr>
-              <a:buSzPts val="1600"/>
-              <a:buNone/>
-              <a:defRPr sz="1600"/>
-            </a:lvl5pPr>
-            <a:lvl6pPr lvl="5" algn="ctr">
-              <a:lnSpc>
-                <a:spcPct val="90000"/>
-              </a:lnSpc>
-              <a:spcBef>
-                <a:spcPts val="500"/>
-              </a:spcBef>
-              <a:spcAft>
-                <a:spcPts val="0"/>
-              </a:spcAft>
-              <a:buClr>
-                <a:schemeClr val="dk1"/>
-              </a:buClr>
-              <a:buSzPts val="1600"/>
-              <a:buNone/>
-              <a:defRPr sz="1600"/>
-            </a:lvl6pPr>
-            <a:lvl7pPr lvl="6" algn="ctr">
-              <a:lnSpc>
-                <a:spcPct val="90000"/>
-              </a:lnSpc>
-              <a:spcBef>
-                <a:spcPts val="500"/>
-              </a:spcBef>
-              <a:spcAft>
-                <a:spcPts val="0"/>
-              </a:spcAft>
-              <a:buClr>
-                <a:schemeClr val="dk1"/>
-              </a:buClr>
-              <a:buSzPts val="1600"/>
-              <a:buNone/>
-              <a:defRPr sz="1600"/>
-            </a:lvl7pPr>
-            <a:lvl8pPr lvl="7" algn="ctr">
-              <a:lnSpc>
-                <a:spcPct val="90000"/>
-              </a:lnSpc>
-              <a:spcBef>
-                <a:spcPts val="500"/>
-              </a:spcBef>
-              <a:spcAft>
-                <a:spcPts val="0"/>
-              </a:spcAft>
-              <a:buClr>
-                <a:schemeClr val="dk1"/>
-              </a:buClr>
-              <a:buSzPts val="1600"/>
-              <a:buNone/>
-              <a:defRPr sz="1600"/>
-            </a:lvl8pPr>
-            <a:lvl9pPr lvl="8" algn="ctr">
-              <a:lnSpc>
-                <a:spcPct val="90000"/>
-              </a:lnSpc>
-              <a:spcBef>
-                <a:spcPts val="500"/>
-              </a:spcBef>
-              <a:spcAft>
-                <a:spcPts val="0"/>
-              </a:spcAft>
-              <a:buClr>
-                <a:schemeClr val="dk1"/>
-              </a:buClr>
-              <a:buSzPts val="1600"/>
-              <a:buNone/>
-              <a:defRPr sz="1600"/>
-            </a:lvl9pPr>
-          </a:lstStyle>
-          <a:p>
-            <a:endParaRPr/>
-          </a:p>
-        </p:txBody>
-      </p:sp>
-      <p:sp>
-        <p:nvSpPr>
-          <p:cNvPr id="20" name="Google Shape;20;p9"/>
-          <p:cNvSpPr txBox="1">
-            <a:spLocks noGrp="1"/>
-          </p:cNvSpPr>
-          <p:nvPr>
-            <p:ph type="dt" idx="10"/>
-          </p:nvPr>
-        </p:nvSpPr>
-        <p:spPr>
-          <a:xfrm>
-            <a:off x="628650" y="6356351"/>
-            <a:ext cx="2057400" cy="365125"/>
-          </a:xfrm>
-          <a:prstGeom prst="rect">
-            <a:avLst/>
-          </a:prstGeom>
-          <a:noFill/>
-          <a:ln>
-            <a:noFill/>
-          </a:ln>
-        </p:spPr>
-        <p:txBody>
-          <a:bodyPr spcFirstLastPara="1" wrap="square" lIns="91425" tIns="45700" rIns="91425" bIns="45700" anchor="ctr" anchorCtr="0">
-            <a:noAutofit/>
-          </a:bodyPr>
-          <a:lstStyle>
-            <a:lvl1pPr lvl="0" algn="l">
-              <a:spcBef>
-                <a:spcPts val="0"/>
-              </a:spcBef>
-              <a:spcAft>
-                <a:spcPts val="0"/>
-              </a:spcAft>
-              <a:buSzPts val="1400"/>
-              <a:buNone/>
-              <a:defRPr/>
-            </a:lvl1pPr>
-            <a:lvl2pPr lvl="1" algn="l">
-              <a:spcBef>
-                <a:spcPts val="0"/>
-              </a:spcBef>
-              <a:spcAft>
-                <a:spcPts val="0"/>
-              </a:spcAft>
-              <a:buSzPts val="1400"/>
-              <a:buNone/>
-              <a:defRPr/>
-            </a:lvl2pPr>
-            <a:lvl3pPr lvl="2" algn="l">
-              <a:spcBef>
-                <a:spcPts val="0"/>
-              </a:spcBef>
-              <a:spcAft>
-                <a:spcPts val="0"/>
-              </a:spcAft>
-              <a:buSzPts val="1400"/>
-              <a:buNone/>
-              <a:defRPr/>
-            </a:lvl3pPr>
-            <a:lvl4pPr lvl="3" algn="l">
-              <a:spcBef>
-                <a:spcPts val="0"/>
-              </a:spcBef>
-              <a:spcAft>
-                <a:spcPts val="0"/>
-              </a:spcAft>
-              <a:buSzPts val="1400"/>
-              <a:buNone/>
-              <a:defRPr/>
-            </a:lvl4pPr>
-            <a:lvl5pPr lvl="4" algn="l">
-              <a:spcBef>
-                <a:spcPts val="0"/>
-              </a:spcBef>
-              <a:spcAft>
-                <a:spcPts val="0"/>
-              </a:spcAft>
-              <a:buSzPts val="1400"/>
-              <a:buNone/>
-              <a:defRPr/>
-            </a:lvl5pPr>
-            <a:lvl6pPr lvl="5" algn="l">
-              <a:spcBef>
-                <a:spcPts val="0"/>
-              </a:spcBef>
-              <a:spcAft>
-                <a:spcPts val="0"/>
-              </a:spcAft>
-              <a:buSzPts val="1400"/>
-              <a:buNone/>
-              <a:defRPr/>
-            </a:lvl6pPr>
-            <a:lvl7pPr lvl="6" algn="l">
-              <a:spcBef>
-                <a:spcPts val="0"/>
-              </a:spcBef>
-              <a:spcAft>
-                <a:spcPts val="0"/>
-              </a:spcAft>
-              <a:buSzPts val="1400"/>
-              <a:buNone/>
-              <a:defRPr/>
-            </a:lvl7pPr>
-            <a:lvl8pPr lvl="7" algn="l">
-              <a:spcBef>
-                <a:spcPts val="0"/>
-              </a:spcBef>
-              <a:spcAft>
-                <a:spcPts val="0"/>
-              </a:spcAft>
-              <a:buSzPts val="1400"/>
-              <a:buNone/>
-              <a:defRPr/>
-            </a:lvl8pPr>
-            <a:lvl9pPr lvl="8" algn="l">
-              <a:spcBef>
-                <a:spcPts val="0"/>
-              </a:spcBef>
-              <a:spcAft>
-                <a:spcPts val="0"/>
-              </a:spcAft>
-              <a:buSzPts val="1400"/>
-              <a:buNone/>
-              <a:defRPr/>
-            </a:lvl9pPr>
-          </a:lstStyle>
-          <a:p>
-            <a:endParaRPr/>
-          </a:p>
-        </p:txBody>
-      </p:sp>
-      <p:sp>
-        <p:nvSpPr>
-          <p:cNvPr id="21" name="Google Shape;21;p9"/>
-          <p:cNvSpPr txBox="1">
-            <a:spLocks noGrp="1"/>
-          </p:cNvSpPr>
-          <p:nvPr>
-            <p:ph type="ftr" idx="11"/>
-          </p:nvPr>
-        </p:nvSpPr>
-        <p:spPr>
-          <a:xfrm>
-            <a:off x="3028950" y="6356351"/>
-            <a:ext cx="3086100" cy="365125"/>
-          </a:xfrm>
-          <a:prstGeom prst="rect">
-            <a:avLst/>
-          </a:prstGeom>
-          <a:noFill/>
-          <a:ln>
-            <a:noFill/>
-          </a:ln>
-        </p:spPr>
-        <p:txBody>
-          <a:bodyPr spcFirstLastPara="1" wrap="square" lIns="91425" tIns="45700" rIns="91425" bIns="45700" anchor="ctr" anchorCtr="0">
-            <a:noAutofit/>
-          </a:bodyPr>
-          <a:lstStyle>
-            <a:lvl1pPr lvl="0" algn="ctr">
-              <a:spcBef>
-                <a:spcPts val="0"/>
-              </a:spcBef>
-              <a:spcAft>
-                <a:spcPts val="0"/>
-              </a:spcAft>
-              <a:buSzPts val="1400"/>
-              <a:buNone/>
-              <a:defRPr/>
-            </a:lvl1pPr>
-            <a:lvl2pPr lvl="1" algn="l">
-              <a:spcBef>
-                <a:spcPts val="0"/>
-              </a:spcBef>
-              <a:spcAft>
-                <a:spcPts val="0"/>
-              </a:spcAft>
-              <a:buSzPts val="1400"/>
-              <a:buNone/>
-              <a:defRPr/>
-            </a:lvl2pPr>
-            <a:lvl3pPr lvl="2" algn="l">
-              <a:spcBef>
-                <a:spcPts val="0"/>
-              </a:spcBef>
-              <a:spcAft>
-                <a:spcPts val="0"/>
-              </a:spcAft>
-              <a:buSzPts val="1400"/>
-              <a:buNone/>
-              <a:defRPr/>
-            </a:lvl3pPr>
-            <a:lvl4pPr lvl="3" algn="l">
-              <a:spcBef>
-                <a:spcPts val="0"/>
-              </a:spcBef>
-              <a:spcAft>
-                <a:spcPts val="0"/>
-              </a:spcAft>
-              <a:buSzPts val="1400"/>
-              <a:buNone/>
-              <a:defRPr/>
-            </a:lvl4pPr>
-            <a:lvl5pPr lvl="4" algn="l">
-              <a:spcBef>
-                <a:spcPts val="0"/>
-              </a:spcBef>
-              <a:spcAft>
-                <a:spcPts val="0"/>
-              </a:spcAft>
-              <a:buSzPts val="1400"/>
-              <a:buNone/>
-              <a:defRPr/>
-            </a:lvl5pPr>
-            <a:lvl6pPr lvl="5" algn="l">
-              <a:spcBef>
-                <a:spcPts val="0"/>
-              </a:spcBef>
-              <a:spcAft>
-                <a:spcPts val="0"/>
-              </a:spcAft>
-              <a:buSzPts val="1400"/>
-              <a:buNone/>
-              <a:defRPr/>
-            </a:lvl6pPr>
-            <a:lvl7pPr lvl="6" algn="l">
-              <a:spcBef>
-                <a:spcPts val="0"/>
-              </a:spcBef>
-              <a:spcAft>
-                <a:spcPts val="0"/>
-              </a:spcAft>
-              <a:buSzPts val="1400"/>
-              <a:buNone/>
-              <a:defRPr/>
-            </a:lvl7pPr>
-            <a:lvl8pPr lvl="7" algn="l">
-              <a:spcBef>
-                <a:spcPts val="0"/>
-              </a:spcBef>
-              <a:spcAft>
-                <a:spcPts val="0"/>
-              </a:spcAft>
-              <a:buSzPts val="1400"/>
-              <a:buNone/>
-              <a:defRPr/>
-            </a:lvl8pPr>
-            <a:lvl9pPr lvl="8" algn="l">
-              <a:spcBef>
-                <a:spcPts val="0"/>
-              </a:spcBef>
-              <a:spcAft>
-                <a:spcPts val="0"/>
-              </a:spcAft>
-              <a:buSzPts val="1400"/>
-              <a:buNone/>
-              <a:defRPr/>
-            </a:lvl9pPr>
-          </a:lstStyle>
-          <a:p>
-            <a:endParaRPr/>
-          </a:p>
-        </p:txBody>
-      </p:sp>
-      <p:sp>
-        <p:nvSpPr>
-          <p:cNvPr id="22" name="Google Shape;22;p9"/>
-          <p:cNvSpPr txBox="1">
-            <a:spLocks noGrp="1"/>
-          </p:cNvSpPr>
-          <p:nvPr>
-            <p:ph type="sldNum" idx="12"/>
-          </p:nvPr>
-        </p:nvSpPr>
-        <p:spPr>
-          <a:xfrm>
-            <a:off x="6457950" y="6356351"/>
-            <a:ext cx="2057400" cy="365125"/>
-          </a:xfrm>
-          <a:prstGeom prst="rect">
-            <a:avLst/>
-          </a:prstGeom>
-          <a:noFill/>
-          <a:ln>
-            <a:noFill/>
-          </a:ln>
-        </p:spPr>
-        <p:txBody>
-          <a:bodyPr spcFirstLastPara="1" wrap="square" lIns="91425" tIns="45700" rIns="91425" bIns="45700" anchor="ctr" anchorCtr="0">
-            <a:noAutofit/>
-          </a:bodyPr>
-          <a:lstStyle>
-            <a:lvl1pPr marL="0" lvl="0" indent="0" algn="r">
-              <a:spcBef>
-                <a:spcPts val="0"/>
-              </a:spcBef>
-              <a:buNone/>
-              <a:defRPr/>
-            </a:lvl1pPr>
-            <a:lvl2pPr marL="0" lvl="1" indent="0" algn="r">
-              <a:spcBef>
-                <a:spcPts val="0"/>
-              </a:spcBef>
-              <a:buNone/>
-              <a:defRPr/>
-            </a:lvl2pPr>
-            <a:lvl3pPr marL="0" lvl="2" indent="0" algn="r">
-              <a:spcBef>
-                <a:spcPts val="0"/>
-              </a:spcBef>
-              <a:buNone/>
-              <a:defRPr/>
-            </a:lvl3pPr>
-            <a:lvl4pPr marL="0" lvl="3" indent="0" algn="r">
-              <a:spcBef>
-                <a:spcPts val="0"/>
-              </a:spcBef>
-              <a:buNone/>
-              <a:defRPr/>
-            </a:lvl4pPr>
-            <a:lvl5pPr marL="0" lvl="4" indent="0" algn="r">
-              <a:spcBef>
-                <a:spcPts val="0"/>
-              </a:spcBef>
-              <a:buNone/>
-              <a:defRPr/>
-            </a:lvl5pPr>
-            <a:lvl6pPr marL="0" lvl="5" indent="0" algn="r">
-              <a:spcBef>
-                <a:spcPts val="0"/>
-              </a:spcBef>
-              <a:buNone/>
-              <a:defRPr/>
-            </a:lvl6pPr>
-            <a:lvl7pPr marL="0" lvl="6" indent="0" algn="r">
-              <a:spcBef>
-                <a:spcPts val="0"/>
-              </a:spcBef>
-              <a:buNone/>
-              <a:defRPr/>
-            </a:lvl7pPr>
-            <a:lvl8pPr marL="0" lvl="7" indent="0" algn="r">
-              <a:spcBef>
-                <a:spcPts val="0"/>
-              </a:spcBef>
-              <a:buNone/>
-              <a:defRPr/>
-            </a:lvl8pPr>
-            <a:lvl9pPr marL="0" lvl="8" indent="0" algn="r">
-              <a:spcBef>
-                <a:spcPts val="0"/>
-              </a:spcBef>
-              <a:buNone/>
-              <a:defRPr/>
-            </a:lvl9pPr>
-          </a:lstStyle>
-          <a:p>
-            <a:pPr marL="0" lvl="0" indent="0" algn="r" rtl="0">
-              <a:spcBef>
-                <a:spcPts val="0"/>
-              </a:spcBef>
-              <a:spcAft>
-                <a:spcPts val="0"/>
-              </a:spcAft>
-              <a:buNone/>
-            </a:pPr>
-            <a:fld id="{00000000-1234-1234-1234-123412341234}" type="slidenum">
-              <a:rPr lang="en-GB"/>
-              <a:t>‹#›</a:t>
-            </a:fld>
-            <a:endParaRPr/>
-          </a:p>
-        </p:txBody>
-      </p:sp>
-    </p:spTree>
-  </p:cSld>
-  <p:clrMapOvr>
-    <a:masterClrMapping/>
-  </p:clrMapOvr>
-</p:sldLayout>
-</file>
-
-<file path=ppt/slideLayouts/slideLayout3.xml><?xml version="1.0" encoding="utf-8"?>
 <p:sldLayout xmlns:a="http://schemas.openxmlformats.org/drawingml/2006/main" xmlns:r="http://schemas.openxmlformats.org/officeDocument/2006/relationships" xmlns:p="http://schemas.openxmlformats.org/presentationml/2006/main" matchingName="Section Header" type="secHead">
   <p:cSld name="SECTION_HEADER">
     <p:spTree>
@@ -4787,7 +3445,7 @@
 </p:sldLayout>
 </file>
 
-<file path=ppt/slideLayouts/slideLayout4.xml><?xml version="1.0" encoding="utf-8"?>
+<file path=ppt/slideLayouts/slideLayout3.xml><?xml version="1.0" encoding="utf-8"?>
 <p:sldLayout xmlns:a="http://schemas.openxmlformats.org/drawingml/2006/main" xmlns:r="http://schemas.openxmlformats.org/officeDocument/2006/relationships" xmlns:p="http://schemas.openxmlformats.org/presentationml/2006/main" matchingName="Two Content" type="twoObj">
   <p:cSld name="TWO_OBJECTS">
     <p:spTree>
@@ -5701,7 +4359,7 @@
 </p:sldLayout>
 </file>
 
-<file path=ppt/slideLayouts/slideLayout5.xml><?xml version="1.0" encoding="utf-8"?>
+<file path=ppt/slideLayouts/slideLayout4.xml><?xml version="1.0" encoding="utf-8"?>
 <p:sldLayout xmlns:a="http://schemas.openxmlformats.org/drawingml/2006/main" xmlns:r="http://schemas.openxmlformats.org/officeDocument/2006/relationships" xmlns:p="http://schemas.openxmlformats.org/presentationml/2006/main" matchingName="Comparison" type="twoTxTwoObj">
   <p:cSld name="TWO_OBJECTS_WITH_TEXT">
     <p:spTree>
@@ -6989,7 +5647,7 @@
 </p:sldLayout>
 </file>
 
-<file path=ppt/slideLayouts/slideLayout6.xml><?xml version="1.0" encoding="utf-8"?>
+<file path=ppt/slideLayouts/slideLayout5.xml><?xml version="1.0" encoding="utf-8"?>
 <p:sldLayout xmlns:a="http://schemas.openxmlformats.org/drawingml/2006/main" xmlns:r="http://schemas.openxmlformats.org/officeDocument/2006/relationships" xmlns:p="http://schemas.openxmlformats.org/presentationml/2006/main" matchingName="Title Only" type="titleOnly">
   <p:cSld name="TITLE_ONLY">
     <p:spTree>
@@ -7529,7 +6187,7 @@
 </p:sldLayout>
 </file>
 
-<file path=ppt/slideLayouts/slideLayout7.xml><?xml version="1.0" encoding="utf-8"?>
+<file path=ppt/slideLayouts/slideLayout6.xml><?xml version="1.0" encoding="utf-8"?>
 <p:sldLayout xmlns:a="http://schemas.openxmlformats.org/drawingml/2006/main" xmlns:r="http://schemas.openxmlformats.org/officeDocument/2006/relationships" xmlns:p="http://schemas.openxmlformats.org/presentationml/2006/main" matchingName="Blank" type="blank">
   <p:cSld name="BLANK">
     <p:spTree>
@@ -7930,7 +6588,7 @@
 </p:sldLayout>
 </file>
 
-<file path=ppt/slideLayouts/slideLayout8.xml><?xml version="1.0" encoding="utf-8"?>
+<file path=ppt/slideLayouts/slideLayout7.xml><?xml version="1.0" encoding="utf-8"?>
 <p:sldLayout xmlns:a="http://schemas.openxmlformats.org/drawingml/2006/main" xmlns:r="http://schemas.openxmlformats.org/officeDocument/2006/relationships" xmlns:p="http://schemas.openxmlformats.org/presentationml/2006/main" matchingName="Content with Caption" type="objTx">
   <p:cSld name="OBJECT_WITH_CAPTION_TEXT">
     <p:spTree>
@@ -8845,7 +7503,7 @@
 </p:sldLayout>
 </file>
 
-<file path=ppt/slideLayouts/slideLayout9.xml><?xml version="1.0" encoding="utf-8"?>
+<file path=ppt/slideLayouts/slideLayout8.xml><?xml version="1.0" encoding="utf-8"?>
 <p:sldLayout xmlns:a="http://schemas.openxmlformats.org/drawingml/2006/main" xmlns:r="http://schemas.openxmlformats.org/officeDocument/2006/relationships" xmlns:p="http://schemas.openxmlformats.org/presentationml/2006/main" matchingName="Picture with Caption" type="picTx">
   <p:cSld name="PICTURE_WITH_CAPTION_TEXT">
     <p:spTree>
@@ -9482,6 +8140,733 @@
       <p:sp>
         <p:nvSpPr>
           <p:cNvPr id="67" name="Google Shape;67;p16"/>
+          <p:cNvSpPr txBox="1">
+            <a:spLocks noGrp="1"/>
+          </p:cNvSpPr>
+          <p:nvPr>
+            <p:ph type="sldNum" idx="12"/>
+          </p:nvPr>
+        </p:nvSpPr>
+        <p:spPr>
+          <a:xfrm>
+            <a:off x="6457950" y="6356351"/>
+            <a:ext cx="2057400" cy="365125"/>
+          </a:xfrm>
+          <a:prstGeom prst="rect">
+            <a:avLst/>
+          </a:prstGeom>
+          <a:noFill/>
+          <a:ln>
+            <a:noFill/>
+          </a:ln>
+        </p:spPr>
+        <p:txBody>
+          <a:bodyPr spcFirstLastPara="1" wrap="square" lIns="91425" tIns="45700" rIns="91425" bIns="45700" anchor="ctr" anchorCtr="0">
+            <a:noAutofit/>
+          </a:bodyPr>
+          <a:lstStyle>
+            <a:lvl1pPr marL="0" lvl="0" indent="0" algn="r">
+              <a:spcBef>
+                <a:spcPts val="0"/>
+              </a:spcBef>
+              <a:buNone/>
+              <a:defRPr/>
+            </a:lvl1pPr>
+            <a:lvl2pPr marL="0" lvl="1" indent="0" algn="r">
+              <a:spcBef>
+                <a:spcPts val="0"/>
+              </a:spcBef>
+              <a:buNone/>
+              <a:defRPr/>
+            </a:lvl2pPr>
+            <a:lvl3pPr marL="0" lvl="2" indent="0" algn="r">
+              <a:spcBef>
+                <a:spcPts val="0"/>
+              </a:spcBef>
+              <a:buNone/>
+              <a:defRPr/>
+            </a:lvl3pPr>
+            <a:lvl4pPr marL="0" lvl="3" indent="0" algn="r">
+              <a:spcBef>
+                <a:spcPts val="0"/>
+              </a:spcBef>
+              <a:buNone/>
+              <a:defRPr/>
+            </a:lvl4pPr>
+            <a:lvl5pPr marL="0" lvl="4" indent="0" algn="r">
+              <a:spcBef>
+                <a:spcPts val="0"/>
+              </a:spcBef>
+              <a:buNone/>
+              <a:defRPr/>
+            </a:lvl5pPr>
+            <a:lvl6pPr marL="0" lvl="5" indent="0" algn="r">
+              <a:spcBef>
+                <a:spcPts val="0"/>
+              </a:spcBef>
+              <a:buNone/>
+              <a:defRPr/>
+            </a:lvl6pPr>
+            <a:lvl7pPr marL="0" lvl="6" indent="0" algn="r">
+              <a:spcBef>
+                <a:spcPts val="0"/>
+              </a:spcBef>
+              <a:buNone/>
+              <a:defRPr/>
+            </a:lvl7pPr>
+            <a:lvl8pPr marL="0" lvl="7" indent="0" algn="r">
+              <a:spcBef>
+                <a:spcPts val="0"/>
+              </a:spcBef>
+              <a:buNone/>
+              <a:defRPr/>
+            </a:lvl8pPr>
+            <a:lvl9pPr marL="0" lvl="8" indent="0" algn="r">
+              <a:spcBef>
+                <a:spcPts val="0"/>
+              </a:spcBef>
+              <a:buNone/>
+              <a:defRPr/>
+            </a:lvl9pPr>
+          </a:lstStyle>
+          <a:p>
+            <a:pPr marL="0" lvl="0" indent="0" algn="r" rtl="0">
+              <a:spcBef>
+                <a:spcPts val="0"/>
+              </a:spcBef>
+              <a:spcAft>
+                <a:spcPts val="0"/>
+              </a:spcAft>
+              <a:buNone/>
+            </a:pPr>
+            <a:fld id="{00000000-1234-1234-1234-123412341234}" type="slidenum">
+              <a:rPr lang="en-GB"/>
+              <a:t>‹#›</a:t>
+            </a:fld>
+            <a:endParaRPr/>
+          </a:p>
+        </p:txBody>
+      </p:sp>
+    </p:spTree>
+  </p:cSld>
+  <p:clrMapOvr>
+    <a:masterClrMapping/>
+  </p:clrMapOvr>
+</p:sldLayout>
+</file>
+
+<file path=ppt/slideLayouts/slideLayout9.xml><?xml version="1.0" encoding="utf-8"?>
+<p:sldLayout xmlns:a="http://schemas.openxmlformats.org/drawingml/2006/main" xmlns:r="http://schemas.openxmlformats.org/officeDocument/2006/relationships" xmlns:p="http://schemas.openxmlformats.org/presentationml/2006/main" matchingName="Title and Vertical Text" type="vertTx">
+  <p:cSld name="VERTICAL_TEXT">
+    <p:spTree>
+      <p:nvGrpSpPr>
+        <p:cNvPr id="1" name="Shape 68"/>
+        <p:cNvGrpSpPr/>
+        <p:nvPr/>
+      </p:nvGrpSpPr>
+      <p:grpSpPr>
+        <a:xfrm>
+          <a:off x="0" y="0"/>
+          <a:ext cx="0" cy="0"/>
+          <a:chOff x="0" y="0"/>
+          <a:chExt cx="0" cy="0"/>
+        </a:xfrm>
+      </p:grpSpPr>
+      <p:sp>
+        <p:nvSpPr>
+          <p:cNvPr id="69" name="Google Shape;69;p17"/>
+          <p:cNvSpPr txBox="1">
+            <a:spLocks noGrp="1"/>
+          </p:cNvSpPr>
+          <p:nvPr>
+            <p:ph type="title"/>
+          </p:nvPr>
+        </p:nvSpPr>
+        <p:spPr>
+          <a:xfrm>
+            <a:off x="628650" y="365126"/>
+            <a:ext cx="7886700" cy="1325563"/>
+          </a:xfrm>
+          <a:prstGeom prst="rect">
+            <a:avLst/>
+          </a:prstGeom>
+          <a:noFill/>
+          <a:ln>
+            <a:noFill/>
+          </a:ln>
+        </p:spPr>
+        <p:txBody>
+          <a:bodyPr spcFirstLastPara="1" wrap="square" lIns="91425" tIns="45700" rIns="91425" bIns="45700" anchor="ctr" anchorCtr="0">
+            <a:normAutofit/>
+          </a:bodyPr>
+          <a:lstStyle>
+            <a:lvl1pPr lvl="0" algn="l">
+              <a:lnSpc>
+                <a:spcPct val="90000"/>
+              </a:lnSpc>
+              <a:spcBef>
+                <a:spcPts val="0"/>
+              </a:spcBef>
+              <a:spcAft>
+                <a:spcPts val="0"/>
+              </a:spcAft>
+              <a:buClr>
+                <a:schemeClr val="dk1"/>
+              </a:buClr>
+              <a:buSzPts val="1800"/>
+              <a:buNone/>
+              <a:defRPr/>
+            </a:lvl1pPr>
+            <a:lvl2pPr lvl="1">
+              <a:spcBef>
+                <a:spcPts val="0"/>
+              </a:spcBef>
+              <a:spcAft>
+                <a:spcPts val="0"/>
+              </a:spcAft>
+              <a:buSzPts val="1400"/>
+              <a:buNone/>
+              <a:defRPr/>
+            </a:lvl2pPr>
+            <a:lvl3pPr lvl="2">
+              <a:spcBef>
+                <a:spcPts val="0"/>
+              </a:spcBef>
+              <a:spcAft>
+                <a:spcPts val="0"/>
+              </a:spcAft>
+              <a:buSzPts val="1400"/>
+              <a:buNone/>
+              <a:defRPr/>
+            </a:lvl3pPr>
+            <a:lvl4pPr lvl="3">
+              <a:spcBef>
+                <a:spcPts val="0"/>
+              </a:spcBef>
+              <a:spcAft>
+                <a:spcPts val="0"/>
+              </a:spcAft>
+              <a:buSzPts val="1400"/>
+              <a:buNone/>
+              <a:defRPr/>
+            </a:lvl4pPr>
+            <a:lvl5pPr lvl="4">
+              <a:spcBef>
+                <a:spcPts val="0"/>
+              </a:spcBef>
+              <a:spcAft>
+                <a:spcPts val="0"/>
+              </a:spcAft>
+              <a:buSzPts val="1400"/>
+              <a:buNone/>
+              <a:defRPr/>
+            </a:lvl5pPr>
+            <a:lvl6pPr lvl="5">
+              <a:spcBef>
+                <a:spcPts val="0"/>
+              </a:spcBef>
+              <a:spcAft>
+                <a:spcPts val="0"/>
+              </a:spcAft>
+              <a:buSzPts val="1400"/>
+              <a:buNone/>
+              <a:defRPr/>
+            </a:lvl6pPr>
+            <a:lvl7pPr lvl="6">
+              <a:spcBef>
+                <a:spcPts val="0"/>
+              </a:spcBef>
+              <a:spcAft>
+                <a:spcPts val="0"/>
+              </a:spcAft>
+              <a:buSzPts val="1400"/>
+              <a:buNone/>
+              <a:defRPr/>
+            </a:lvl7pPr>
+            <a:lvl8pPr lvl="7">
+              <a:spcBef>
+                <a:spcPts val="0"/>
+              </a:spcBef>
+              <a:spcAft>
+                <a:spcPts val="0"/>
+              </a:spcAft>
+              <a:buSzPts val="1400"/>
+              <a:buNone/>
+              <a:defRPr/>
+            </a:lvl8pPr>
+            <a:lvl9pPr lvl="8">
+              <a:spcBef>
+                <a:spcPts val="0"/>
+              </a:spcBef>
+              <a:spcAft>
+                <a:spcPts val="0"/>
+              </a:spcAft>
+              <a:buSzPts val="1400"/>
+              <a:buNone/>
+              <a:defRPr/>
+            </a:lvl9pPr>
+          </a:lstStyle>
+          <a:p>
+            <a:endParaRPr/>
+          </a:p>
+        </p:txBody>
+      </p:sp>
+      <p:sp>
+        <p:nvSpPr>
+          <p:cNvPr id="70" name="Google Shape;70;p17"/>
+          <p:cNvSpPr txBox="1">
+            <a:spLocks noGrp="1"/>
+          </p:cNvSpPr>
+          <p:nvPr>
+            <p:ph type="body" idx="1"/>
+          </p:nvPr>
+        </p:nvSpPr>
+        <p:spPr>
+          <a:xfrm rot="5400000">
+            <a:off x="2396331" y="57944"/>
+            <a:ext cx="4351338" cy="7886700"/>
+          </a:xfrm>
+          <a:prstGeom prst="rect">
+            <a:avLst/>
+          </a:prstGeom>
+          <a:noFill/>
+          <a:ln>
+            <a:noFill/>
+          </a:ln>
+        </p:spPr>
+        <p:txBody>
+          <a:bodyPr spcFirstLastPara="1" wrap="square" lIns="91425" tIns="45700" rIns="91425" bIns="45700" anchor="t" anchorCtr="0">
+            <a:normAutofit/>
+          </a:bodyPr>
+          <a:lstStyle>
+            <a:lvl1pPr marL="457200" lvl="0" indent="-342900" algn="l">
+              <a:lnSpc>
+                <a:spcPct val="90000"/>
+              </a:lnSpc>
+              <a:spcBef>
+                <a:spcPts val="1000"/>
+              </a:spcBef>
+              <a:spcAft>
+                <a:spcPts val="0"/>
+              </a:spcAft>
+              <a:buClr>
+                <a:schemeClr val="dk1"/>
+              </a:buClr>
+              <a:buSzPts val="1800"/>
+              <a:buChar char="•"/>
+              <a:defRPr/>
+            </a:lvl1pPr>
+            <a:lvl2pPr marL="914400" lvl="1" indent="-342900" algn="l">
+              <a:lnSpc>
+                <a:spcPct val="90000"/>
+              </a:lnSpc>
+              <a:spcBef>
+                <a:spcPts val="500"/>
+              </a:spcBef>
+              <a:spcAft>
+                <a:spcPts val="0"/>
+              </a:spcAft>
+              <a:buClr>
+                <a:schemeClr val="dk1"/>
+              </a:buClr>
+              <a:buSzPts val="1800"/>
+              <a:buChar char="•"/>
+              <a:defRPr/>
+            </a:lvl2pPr>
+            <a:lvl3pPr marL="1371600" lvl="2" indent="-342900" algn="l">
+              <a:lnSpc>
+                <a:spcPct val="90000"/>
+              </a:lnSpc>
+              <a:spcBef>
+                <a:spcPts val="500"/>
+              </a:spcBef>
+              <a:spcAft>
+                <a:spcPts val="0"/>
+              </a:spcAft>
+              <a:buClr>
+                <a:schemeClr val="dk1"/>
+              </a:buClr>
+              <a:buSzPts val="1800"/>
+              <a:buChar char="•"/>
+              <a:defRPr/>
+            </a:lvl3pPr>
+            <a:lvl4pPr marL="1828800" lvl="3" indent="-342900" algn="l">
+              <a:lnSpc>
+                <a:spcPct val="90000"/>
+              </a:lnSpc>
+              <a:spcBef>
+                <a:spcPts val="500"/>
+              </a:spcBef>
+              <a:spcAft>
+                <a:spcPts val="0"/>
+              </a:spcAft>
+              <a:buClr>
+                <a:schemeClr val="dk1"/>
+              </a:buClr>
+              <a:buSzPts val="1800"/>
+              <a:buChar char="•"/>
+              <a:defRPr/>
+            </a:lvl4pPr>
+            <a:lvl5pPr marL="2286000" lvl="4" indent="-342900" algn="l">
+              <a:lnSpc>
+                <a:spcPct val="90000"/>
+              </a:lnSpc>
+              <a:spcBef>
+                <a:spcPts val="500"/>
+              </a:spcBef>
+              <a:spcAft>
+                <a:spcPts val="0"/>
+              </a:spcAft>
+              <a:buClr>
+                <a:schemeClr val="dk1"/>
+              </a:buClr>
+              <a:buSzPts val="1800"/>
+              <a:buChar char="•"/>
+              <a:defRPr/>
+            </a:lvl5pPr>
+            <a:lvl6pPr marL="2743200" lvl="5" indent="-342900" algn="l">
+              <a:lnSpc>
+                <a:spcPct val="90000"/>
+              </a:lnSpc>
+              <a:spcBef>
+                <a:spcPts val="500"/>
+              </a:spcBef>
+              <a:spcAft>
+                <a:spcPts val="0"/>
+              </a:spcAft>
+              <a:buClr>
+                <a:schemeClr val="dk1"/>
+              </a:buClr>
+              <a:buSzPts val="1800"/>
+              <a:buChar char="•"/>
+              <a:defRPr/>
+            </a:lvl6pPr>
+            <a:lvl7pPr marL="3200400" lvl="6" indent="-342900" algn="l">
+              <a:lnSpc>
+                <a:spcPct val="90000"/>
+              </a:lnSpc>
+              <a:spcBef>
+                <a:spcPts val="500"/>
+              </a:spcBef>
+              <a:spcAft>
+                <a:spcPts val="0"/>
+              </a:spcAft>
+              <a:buClr>
+                <a:schemeClr val="dk1"/>
+              </a:buClr>
+              <a:buSzPts val="1800"/>
+              <a:buChar char="•"/>
+              <a:defRPr/>
+            </a:lvl7pPr>
+            <a:lvl8pPr marL="3657600" lvl="7" indent="-342900" algn="l">
+              <a:lnSpc>
+                <a:spcPct val="90000"/>
+              </a:lnSpc>
+              <a:spcBef>
+                <a:spcPts val="500"/>
+              </a:spcBef>
+              <a:spcAft>
+                <a:spcPts val="0"/>
+              </a:spcAft>
+              <a:buClr>
+                <a:schemeClr val="dk1"/>
+              </a:buClr>
+              <a:buSzPts val="1800"/>
+              <a:buChar char="•"/>
+              <a:defRPr/>
+            </a:lvl8pPr>
+            <a:lvl9pPr marL="4114800" lvl="8" indent="-342900" algn="l">
+              <a:lnSpc>
+                <a:spcPct val="90000"/>
+              </a:lnSpc>
+              <a:spcBef>
+                <a:spcPts val="500"/>
+              </a:spcBef>
+              <a:spcAft>
+                <a:spcPts val="0"/>
+              </a:spcAft>
+              <a:buClr>
+                <a:schemeClr val="dk1"/>
+              </a:buClr>
+              <a:buSzPts val="1800"/>
+              <a:buChar char="•"/>
+              <a:defRPr/>
+            </a:lvl9pPr>
+          </a:lstStyle>
+          <a:p>
+            <a:endParaRPr/>
+          </a:p>
+        </p:txBody>
+      </p:sp>
+      <p:sp>
+        <p:nvSpPr>
+          <p:cNvPr id="71" name="Google Shape;71;p17"/>
+          <p:cNvSpPr txBox="1">
+            <a:spLocks noGrp="1"/>
+          </p:cNvSpPr>
+          <p:nvPr>
+            <p:ph type="dt" idx="10"/>
+          </p:nvPr>
+        </p:nvSpPr>
+        <p:spPr>
+          <a:xfrm>
+            <a:off x="628650" y="6356351"/>
+            <a:ext cx="2057400" cy="365125"/>
+          </a:xfrm>
+          <a:prstGeom prst="rect">
+            <a:avLst/>
+          </a:prstGeom>
+          <a:noFill/>
+          <a:ln>
+            <a:noFill/>
+          </a:ln>
+        </p:spPr>
+        <p:txBody>
+          <a:bodyPr spcFirstLastPara="1" wrap="square" lIns="91425" tIns="45700" rIns="91425" bIns="45700" anchor="ctr" anchorCtr="0">
+            <a:noAutofit/>
+          </a:bodyPr>
+          <a:lstStyle>
+            <a:lvl1pPr lvl="0" algn="l">
+              <a:spcBef>
+                <a:spcPts val="0"/>
+              </a:spcBef>
+              <a:spcAft>
+                <a:spcPts val="0"/>
+              </a:spcAft>
+              <a:buSzPts val="1400"/>
+              <a:buNone/>
+              <a:defRPr/>
+            </a:lvl1pPr>
+            <a:lvl2pPr lvl="1" algn="l">
+              <a:spcBef>
+                <a:spcPts val="0"/>
+              </a:spcBef>
+              <a:spcAft>
+                <a:spcPts val="0"/>
+              </a:spcAft>
+              <a:buSzPts val="1400"/>
+              <a:buNone/>
+              <a:defRPr/>
+            </a:lvl2pPr>
+            <a:lvl3pPr lvl="2" algn="l">
+              <a:spcBef>
+                <a:spcPts val="0"/>
+              </a:spcBef>
+              <a:spcAft>
+                <a:spcPts val="0"/>
+              </a:spcAft>
+              <a:buSzPts val="1400"/>
+              <a:buNone/>
+              <a:defRPr/>
+            </a:lvl3pPr>
+            <a:lvl4pPr lvl="3" algn="l">
+              <a:spcBef>
+                <a:spcPts val="0"/>
+              </a:spcBef>
+              <a:spcAft>
+                <a:spcPts val="0"/>
+              </a:spcAft>
+              <a:buSzPts val="1400"/>
+              <a:buNone/>
+              <a:defRPr/>
+            </a:lvl4pPr>
+            <a:lvl5pPr lvl="4" algn="l">
+              <a:spcBef>
+                <a:spcPts val="0"/>
+              </a:spcBef>
+              <a:spcAft>
+                <a:spcPts val="0"/>
+              </a:spcAft>
+              <a:buSzPts val="1400"/>
+              <a:buNone/>
+              <a:defRPr/>
+            </a:lvl5pPr>
+            <a:lvl6pPr lvl="5" algn="l">
+              <a:spcBef>
+                <a:spcPts val="0"/>
+              </a:spcBef>
+              <a:spcAft>
+                <a:spcPts val="0"/>
+              </a:spcAft>
+              <a:buSzPts val="1400"/>
+              <a:buNone/>
+              <a:defRPr/>
+            </a:lvl6pPr>
+            <a:lvl7pPr lvl="6" algn="l">
+              <a:spcBef>
+                <a:spcPts val="0"/>
+              </a:spcBef>
+              <a:spcAft>
+                <a:spcPts val="0"/>
+              </a:spcAft>
+              <a:buSzPts val="1400"/>
+              <a:buNone/>
+              <a:defRPr/>
+            </a:lvl7pPr>
+            <a:lvl8pPr lvl="7" algn="l">
+              <a:spcBef>
+                <a:spcPts val="0"/>
+              </a:spcBef>
+              <a:spcAft>
+                <a:spcPts val="0"/>
+              </a:spcAft>
+              <a:buSzPts val="1400"/>
+              <a:buNone/>
+              <a:defRPr/>
+            </a:lvl8pPr>
+            <a:lvl9pPr lvl="8" algn="l">
+              <a:spcBef>
+                <a:spcPts val="0"/>
+              </a:spcBef>
+              <a:spcAft>
+                <a:spcPts val="0"/>
+              </a:spcAft>
+              <a:buSzPts val="1400"/>
+              <a:buNone/>
+              <a:defRPr/>
+            </a:lvl9pPr>
+          </a:lstStyle>
+          <a:p>
+            <a:endParaRPr/>
+          </a:p>
+        </p:txBody>
+      </p:sp>
+      <p:sp>
+        <p:nvSpPr>
+          <p:cNvPr id="72" name="Google Shape;72;p17"/>
+          <p:cNvSpPr txBox="1">
+            <a:spLocks noGrp="1"/>
+          </p:cNvSpPr>
+          <p:nvPr>
+            <p:ph type="ftr" idx="11"/>
+          </p:nvPr>
+        </p:nvSpPr>
+        <p:spPr>
+          <a:xfrm>
+            <a:off x="3028950" y="6356351"/>
+            <a:ext cx="3086100" cy="365125"/>
+          </a:xfrm>
+          <a:prstGeom prst="rect">
+            <a:avLst/>
+          </a:prstGeom>
+          <a:noFill/>
+          <a:ln>
+            <a:noFill/>
+          </a:ln>
+        </p:spPr>
+        <p:txBody>
+          <a:bodyPr spcFirstLastPara="1" wrap="square" lIns="91425" tIns="45700" rIns="91425" bIns="45700" anchor="ctr" anchorCtr="0">
+            <a:noAutofit/>
+          </a:bodyPr>
+          <a:lstStyle>
+            <a:lvl1pPr lvl="0" algn="ctr">
+              <a:spcBef>
+                <a:spcPts val="0"/>
+              </a:spcBef>
+              <a:spcAft>
+                <a:spcPts val="0"/>
+              </a:spcAft>
+              <a:buSzPts val="1400"/>
+              <a:buNone/>
+              <a:defRPr/>
+            </a:lvl1pPr>
+            <a:lvl2pPr lvl="1" algn="l">
+              <a:spcBef>
+                <a:spcPts val="0"/>
+              </a:spcBef>
+              <a:spcAft>
+                <a:spcPts val="0"/>
+              </a:spcAft>
+              <a:buSzPts val="1400"/>
+              <a:buNone/>
+              <a:defRPr/>
+            </a:lvl2pPr>
+            <a:lvl3pPr lvl="2" algn="l">
+              <a:spcBef>
+                <a:spcPts val="0"/>
+              </a:spcBef>
+              <a:spcAft>
+                <a:spcPts val="0"/>
+              </a:spcAft>
+              <a:buSzPts val="1400"/>
+              <a:buNone/>
+              <a:defRPr/>
+            </a:lvl3pPr>
+            <a:lvl4pPr lvl="3" algn="l">
+              <a:spcBef>
+                <a:spcPts val="0"/>
+              </a:spcBef>
+              <a:spcAft>
+                <a:spcPts val="0"/>
+              </a:spcAft>
+              <a:buSzPts val="1400"/>
+              <a:buNone/>
+              <a:defRPr/>
+            </a:lvl4pPr>
+            <a:lvl5pPr lvl="4" algn="l">
+              <a:spcBef>
+                <a:spcPts val="0"/>
+              </a:spcBef>
+              <a:spcAft>
+                <a:spcPts val="0"/>
+              </a:spcAft>
+              <a:buSzPts val="1400"/>
+              <a:buNone/>
+              <a:defRPr/>
+            </a:lvl5pPr>
+            <a:lvl6pPr lvl="5" algn="l">
+              <a:spcBef>
+                <a:spcPts val="0"/>
+              </a:spcBef>
+              <a:spcAft>
+                <a:spcPts val="0"/>
+              </a:spcAft>
+              <a:buSzPts val="1400"/>
+              <a:buNone/>
+              <a:defRPr/>
+            </a:lvl6pPr>
+            <a:lvl7pPr lvl="6" algn="l">
+              <a:spcBef>
+                <a:spcPts val="0"/>
+              </a:spcBef>
+              <a:spcAft>
+                <a:spcPts val="0"/>
+              </a:spcAft>
+              <a:buSzPts val="1400"/>
+              <a:buNone/>
+              <a:defRPr/>
+            </a:lvl7pPr>
+            <a:lvl8pPr lvl="7" algn="l">
+              <a:spcBef>
+                <a:spcPts val="0"/>
+              </a:spcBef>
+              <a:spcAft>
+                <a:spcPts val="0"/>
+              </a:spcAft>
+              <a:buSzPts val="1400"/>
+              <a:buNone/>
+              <a:defRPr/>
+            </a:lvl8pPr>
+            <a:lvl9pPr lvl="8" algn="l">
+              <a:spcBef>
+                <a:spcPts val="0"/>
+              </a:spcBef>
+              <a:spcAft>
+                <a:spcPts val="0"/>
+              </a:spcAft>
+              <a:buSzPts val="1400"/>
+              <a:buNone/>
+              <a:defRPr/>
+            </a:lvl9pPr>
+          </a:lstStyle>
+          <a:p>
+            <a:endParaRPr/>
+          </a:p>
+        </p:txBody>
+      </p:sp>
+      <p:sp>
+        <p:nvSpPr>
+          <p:cNvPr id="73" name="Google Shape;73;p17"/>
           <p:cNvSpPr txBox="1">
             <a:spLocks noGrp="1"/>
           </p:cNvSpPr>
@@ -10635,16 +10020,15 @@
   <p:clrMap bg1="lt1" tx1="dk1" bg2="dk2" tx2="lt2" accent1="accent1" accent2="accent2" accent3="accent3" accent4="accent4" accent5="accent5" accent6="accent6" hlink="hlink" folHlink="folHlink"/>
   <p:sldLayoutIdLst>
     <p:sldLayoutId id="2147483649" r:id="rId1"/>
-    <p:sldLayoutId id="2147483650" r:id="rId2"/>
-    <p:sldLayoutId id="2147483651" r:id="rId3"/>
-    <p:sldLayoutId id="2147483652" r:id="rId4"/>
-    <p:sldLayoutId id="2147483653" r:id="rId5"/>
-    <p:sldLayoutId id="2147483654" r:id="rId6"/>
-    <p:sldLayoutId id="2147483655" r:id="rId7"/>
-    <p:sldLayoutId id="2147483656" r:id="rId8"/>
-    <p:sldLayoutId id="2147483657" r:id="rId9"/>
-    <p:sldLayoutId id="2147483658" r:id="rId10"/>
-    <p:sldLayoutId id="2147483659" r:id="rId11"/>
+    <p:sldLayoutId id="2147483651" r:id="rId2"/>
+    <p:sldLayoutId id="2147483652" r:id="rId3"/>
+    <p:sldLayoutId id="2147483653" r:id="rId4"/>
+    <p:sldLayoutId id="2147483654" r:id="rId5"/>
+    <p:sldLayoutId id="2147483655" r:id="rId6"/>
+    <p:sldLayoutId id="2147483656" r:id="rId7"/>
+    <p:sldLayoutId id="2147483657" r:id="rId8"/>
+    <p:sldLayoutId id="2147483658" r:id="rId9"/>
+    <p:sldLayoutId id="2147483659" r:id="rId10"/>
   </p:sldLayoutIdLst>
   <p:hf sldNum="0" hdr="0" ftr="0" dt="0"/>
   <p:txStyles>
@@ -11520,7 +10904,19 @@
                 <a:cs typeface="Calibri"/>
                 <a:sym typeface="Calibri"/>
               </a:rPr>
-              <a:t> - Smart zip</a:t>
+              <a:t> - </a:t>
+            </a:r>
+            <a:r>
+              <a:rPr lang="en-GB" sz="2400" dirty="0" err="1">
+                <a:solidFill>
+                  <a:schemeClr val="dk1"/>
+                </a:solidFill>
+                <a:latin typeface="Calibri"/>
+                <a:ea typeface="Calibri"/>
+                <a:cs typeface="Calibri"/>
+                <a:sym typeface="Calibri"/>
+              </a:rPr>
+              <a:t>ProspectNow</a:t>
             </a:r>
             <a:endParaRPr sz="2400" dirty="0">
               <a:solidFill>
@@ -11624,7 +11020,7 @@
                 <a:cs typeface="Calibri"/>
                 <a:sym typeface="Calibri"/>
               </a:rPr>
-              <a:t>ALICE – User find real estate</a:t>
+              <a:t>ALICE – User search price</a:t>
             </a:r>
             <a:endParaRPr dirty="0"/>
           </a:p>
@@ -15076,7 +14472,7 @@
                 <a:cs typeface="Calibri"/>
                 <a:sym typeface="Calibri"/>
               </a:rPr>
-              <a:t>A user want to find a real estate by giving the location of he/she want. Thanks to </a:t>
+              <a:t>A user want to search a price from </a:t>
             </a:r>
             <a:r>
               <a:rPr lang="en-GB" sz="1700" dirty="0" err="1">
@@ -15088,7 +14484,7 @@
                 <a:cs typeface="Calibri"/>
                 <a:sym typeface="Calibri"/>
               </a:rPr>
-              <a:t>smartzip</a:t>
+              <a:t>zipstate</a:t>
             </a:r>
             <a:r>
               <a:rPr lang="en-GB" sz="1700" dirty="0">
@@ -15100,7 +14496,7 @@
                 <a:cs typeface="Calibri"/>
                 <a:sym typeface="Calibri"/>
               </a:rPr>
-              <a:t>, users can enter city and location information and </a:t>
+              <a:t> by giving the location of he/she want. Thanks to </a:t>
             </a:r>
             <a:r>
               <a:rPr lang="en-GB" sz="1700" dirty="0" err="1">
@@ -15112,7 +14508,7 @@
                 <a:cs typeface="Calibri"/>
                 <a:sym typeface="Calibri"/>
               </a:rPr>
-              <a:t>smartzip</a:t>
+              <a:t>ProspectNow</a:t>
             </a:r>
             <a:r>
               <a:rPr lang="en-GB" sz="1700" dirty="0">
@@ -15124,7 +14520,79 @@
                 <a:cs typeface="Calibri"/>
                 <a:sym typeface="Calibri"/>
               </a:rPr>
-              <a:t> returns a suggestion of the property along with the current price.  </a:t>
+              <a:t>, users can enter </a:t>
+            </a:r>
+            <a:r>
+              <a:rPr lang="en-GB" sz="1700" dirty="0" err="1">
+                <a:solidFill>
+                  <a:schemeClr val="dk1"/>
+                </a:solidFill>
+                <a:latin typeface="Calibri"/>
+                <a:ea typeface="Calibri"/>
+                <a:cs typeface="Calibri"/>
+                <a:sym typeface="Calibri"/>
+              </a:rPr>
+              <a:t>zipstate</a:t>
+            </a:r>
+            <a:r>
+              <a:rPr lang="en-GB" sz="1700" dirty="0">
+                <a:solidFill>
+                  <a:schemeClr val="dk1"/>
+                </a:solidFill>
+                <a:latin typeface="Calibri"/>
+                <a:ea typeface="Calibri"/>
+                <a:cs typeface="Calibri"/>
+                <a:sym typeface="Calibri"/>
+              </a:rPr>
+              <a:t> code and </a:t>
+            </a:r>
+            <a:r>
+              <a:rPr lang="en-GB" sz="1700" dirty="0" err="1">
+                <a:solidFill>
+                  <a:schemeClr val="dk1"/>
+                </a:solidFill>
+                <a:latin typeface="Calibri"/>
+                <a:ea typeface="Calibri"/>
+                <a:cs typeface="Calibri"/>
+                <a:sym typeface="Calibri"/>
+              </a:rPr>
+              <a:t>ProspectNow</a:t>
+            </a:r>
+            <a:r>
+              <a:rPr lang="en-GB" sz="1700" dirty="0">
+                <a:solidFill>
+                  <a:schemeClr val="dk1"/>
+                </a:solidFill>
+                <a:latin typeface="Calibri"/>
+                <a:ea typeface="Calibri"/>
+                <a:cs typeface="Calibri"/>
+                <a:sym typeface="Calibri"/>
+              </a:rPr>
+              <a:t> returns a current price based on that </a:t>
+            </a:r>
+            <a:r>
+              <a:rPr lang="en-GB" sz="1700" dirty="0" err="1">
+                <a:solidFill>
+                  <a:schemeClr val="dk1"/>
+                </a:solidFill>
+                <a:latin typeface="Calibri"/>
+                <a:ea typeface="Calibri"/>
+                <a:cs typeface="Calibri"/>
+                <a:sym typeface="Calibri"/>
+              </a:rPr>
+              <a:t>zipstate</a:t>
+            </a:r>
+            <a:r>
+              <a:rPr lang="en-GB" sz="1700" dirty="0">
+                <a:solidFill>
+                  <a:schemeClr val="dk1"/>
+                </a:solidFill>
+                <a:latin typeface="Calibri"/>
+                <a:ea typeface="Calibri"/>
+                <a:cs typeface="Calibri"/>
+                <a:sym typeface="Calibri"/>
+              </a:rPr>
+              <a:t>.  </a:t>
             </a:r>
             <a:endParaRPr dirty="0"/>
           </a:p>
@@ -15493,26 +14961,12 @@
           </a:bodyPr>
           <a:lstStyle/>
           <a:p>
-            <a:pPr marL="0" lvl="0" indent="0" algn="l" rtl="0">
-              <a:lnSpc>
-                <a:spcPct val="90000"/>
-              </a:lnSpc>
-              <a:spcBef>
-                <a:spcPts val="0"/>
-              </a:spcBef>
-              <a:spcAft>
-                <a:spcPts val="0"/>
-              </a:spcAft>
-              <a:buClr>
-                <a:schemeClr val="dk1"/>
-              </a:buClr>
+            <a:pPr>
               <a:buSzPts val="4400"/>
-              <a:buFont typeface="Calibri"/>
-              <a:buNone/>
             </a:pPr>
             <a:r>
-              <a:rPr lang="en-GB" dirty="0" err="1"/>
-              <a:t>SmartZip</a:t>
+              <a:rPr lang="en-US" dirty="0" err="1"/>
+              <a:t>ProspectNow</a:t>
             </a:r>
             <a:r>
               <a:rPr lang="en-GB" dirty="0"/>
@@ -15559,49 +15013,13 @@
           <a:lstStyle/>
           <a:p>
             <a:r>
-              <a:rPr lang="en-US" sz="1800" dirty="0" err="1"/>
-              <a:t>SmartZip</a:t>
+              <a:rPr lang="en-US" sz="2000" dirty="0" err="1"/>
+              <a:t>ProspectNow</a:t>
             </a:r>
             <a:r>
-              <a:rPr lang="en-US" sz="1800" dirty="0"/>
-              <a:t> is the leader of predictive analytics in real estate. With </a:t>
+              <a:rPr lang="en-US" sz="2000" dirty="0"/>
+              <a:t> offers detailed information for every property on record in the United States, including over 100 million residential properties and 42 million commercial properties across all 50 states.</a:t>
             </a:r>
-            <a:r>
-              <a:rPr lang="en-US" sz="1800" dirty="0" err="1"/>
-              <a:t>SmartZip</a:t>
-            </a:r>
-            <a:r>
-              <a:rPr lang="en-US" sz="1800" dirty="0"/>
-              <a:t>, developers can easily integrate the most comprehensive real estate database into their applications including property values, rental rates, likelihood of selling and much more.</a:t>
-            </a:r>
-          </a:p>
-          <a:p>
-            <a:pPr marL="114300" indent="0">
-              <a:buNone/>
-            </a:pPr>
-            <a:endParaRPr lang="en-US" sz="1800" dirty="0"/>
-          </a:p>
-          <a:p>
-            <a:r>
-              <a:rPr lang="en-US" sz="1800" dirty="0" err="1"/>
-              <a:t>SmartZip’s</a:t>
-            </a:r>
-            <a:r>
-              <a:rPr lang="en-US" sz="1800" dirty="0"/>
-              <a:t> proprietary predictive analytics model aggregates data from 24 sources and contains over 1 billion data points on residential real estate, including up-to-date market valuations, rental incomes and other key data points. Initially, this oracle will return a given home's value calculated by </a:t>
-            </a:r>
-            <a:r>
-              <a:rPr lang="en-US" sz="1800" dirty="0" err="1"/>
-              <a:t>SmartZip's</a:t>
-            </a:r>
-            <a:r>
-              <a:rPr lang="en-US" sz="1800" dirty="0"/>
-              <a:t> patented Automated Valuation Model (AVM).</a:t>
-            </a:r>
-            <a:br>
-              <a:rPr lang="en-US" sz="1800" dirty="0"/>
-            </a:br>
-            <a:endParaRPr lang="en-US" sz="1800" dirty="0"/>
           </a:p>
           <a:p>
             <a:pPr marL="114300" indent="0">
@@ -15617,11 +15035,8 @@
             </a:r>
             <a:r>
               <a:rPr lang="en-US" sz="1800" dirty="0"/>
-              <a:t>/data-providers/7c5a6a8c-5008-4f5f-8914-6264f45bff61/integrations</a:t>
+              <a:t>/data-providers/c8fc4b66-66a5-4e24-8d11-85d19553c03c/integrations</a:t>
             </a:r>
-            <a:br>
-              <a:rPr lang="en-US" sz="1800" dirty="0"/>
-            </a:br>
             <a:endParaRPr sz="1800" dirty="0"/>
           </a:p>
         </p:txBody>
@@ -15680,6 +15095,119 @@
           </a:bodyPr>
           <a:lstStyle/>
           <a:p>
+            <a:pPr>
+              <a:buSzPts val="4400"/>
+            </a:pPr>
+            <a:r>
+              <a:rPr lang="en-US" dirty="0"/>
+              <a:t>List real estate</a:t>
+            </a:r>
+            <a:endParaRPr dirty="0"/>
+          </a:p>
+        </p:txBody>
+      </p:sp>
+      <p:sp>
+        <p:nvSpPr>
+          <p:cNvPr id="188" name="Google Shape;188;p5"/>
+          <p:cNvSpPr txBox="1">
+            <a:spLocks noGrp="1"/>
+          </p:cNvSpPr>
+          <p:nvPr>
+            <p:ph type="body" idx="1"/>
+          </p:nvPr>
+        </p:nvSpPr>
+        <p:spPr>
+          <a:xfrm>
+            <a:off x="628650" y="1825625"/>
+            <a:ext cx="7886700" cy="4351338"/>
+          </a:xfrm>
+          <a:prstGeom prst="rect">
+            <a:avLst/>
+          </a:prstGeom>
+          <a:pattFill prst="pct5">
+            <a:fgClr>
+              <a:schemeClr val="lt1"/>
+            </a:fgClr>
+            <a:bgClr>
+              <a:schemeClr val="bg1"/>
+            </a:bgClr>
+          </a:pattFill>
+          <a:ln>
+            <a:noFill/>
+          </a:ln>
+        </p:spPr>
+        <p:txBody>
+          <a:bodyPr spcFirstLastPara="1" wrap="square" lIns="91425" tIns="45700" rIns="91425" bIns="45700" anchor="t" anchorCtr="0">
+            <a:normAutofit/>
+          </a:bodyPr>
+          <a:lstStyle/>
+          <a:p>
+            <a:r>
+              <a:rPr lang="en-US" sz="1800" dirty="0"/>
+              <a:t>People can list their real estate with location, name, price.</a:t>
+            </a:r>
+          </a:p>
+        </p:txBody>
+      </p:sp>
+    </p:spTree>
+    <p:extLst>
+      <p:ext uri="{BB962C8B-B14F-4D97-AF65-F5344CB8AC3E}">
+        <p14:creationId xmlns:p14="http://schemas.microsoft.com/office/powerpoint/2010/main" val="3131879953"/>
+      </p:ext>
+    </p:extLst>
+  </p:cSld>
+  <p:clrMapOvr>
+    <a:masterClrMapping/>
+  </p:clrMapOvr>
+</p:sld>
+</file>
+
+<file path=ppt/slides/slide5.xml><?xml version="1.0" encoding="utf-8"?>
+<p:sld xmlns:a="http://schemas.openxmlformats.org/drawingml/2006/main" xmlns:r="http://schemas.openxmlformats.org/officeDocument/2006/relationships" xmlns:p="http://schemas.openxmlformats.org/presentationml/2006/main">
+  <p:cSld>
+    <p:spTree>
+      <p:nvGrpSpPr>
+        <p:cNvPr id="1" name="Shape 186"/>
+        <p:cNvGrpSpPr/>
+        <p:nvPr/>
+      </p:nvGrpSpPr>
+      <p:grpSpPr>
+        <a:xfrm>
+          <a:off x="0" y="0"/>
+          <a:ext cx="0" cy="0"/>
+          <a:chOff x="0" y="0"/>
+          <a:chExt cx="0" cy="0"/>
+        </a:xfrm>
+      </p:grpSpPr>
+      <p:sp>
+        <p:nvSpPr>
+          <p:cNvPr id="187" name="Google Shape;187;p5"/>
+          <p:cNvSpPr txBox="1">
+            <a:spLocks noGrp="1"/>
+          </p:cNvSpPr>
+          <p:nvPr>
+            <p:ph type="title"/>
+          </p:nvPr>
+        </p:nvSpPr>
+        <p:spPr>
+          <a:xfrm>
+            <a:off x="628650" y="365126"/>
+            <a:ext cx="7886700" cy="1325563"/>
+          </a:xfrm>
+          <a:prstGeom prst="rect">
+            <a:avLst/>
+          </a:prstGeom>
+          <a:noFill/>
+          <a:ln>
+            <a:noFill/>
+          </a:ln>
+        </p:spPr>
+        <p:txBody>
+          <a:bodyPr spcFirstLastPara="1" wrap="square" lIns="91425" tIns="45700" rIns="91425" bIns="45700" anchor="ctr" anchorCtr="0">
+            <a:normAutofit/>
+          </a:bodyPr>
+          <a:lstStyle/>
+          <a:p>
             <a:pPr marL="0" lvl="0" indent="0" algn="l" rtl="0">
               <a:lnSpc>
                 <a:spcPct val="90000"/>
@@ -15699,7 +15227,7 @@
             </a:pPr>
             <a:r>
               <a:rPr lang="en-GB" dirty="0"/>
-              <a:t>Ceramic feature</a:t>
+              <a:t>Ceramic feature (future feature)</a:t>
             </a:r>
             <a:endParaRPr dirty="0"/>
           </a:p>
@@ -15755,15 +15283,29 @@
             </a:pPr>
             <a:r>
               <a:rPr lang="en-US" sz="1800" dirty="0"/>
-              <a:t>Reference: https://</a:t>
+              <a:t>Reference: </a:t>
             </a:r>
             <a:r>
-              <a:rPr lang="en-US" sz="1800" dirty="0" err="1"/>
-              <a:t>developers.ceramic.network</a:t>
+              <a:rPr lang="en-US" sz="1800" dirty="0">
+                <a:hlinkClick r:id="rId3"/>
+              </a:rPr>
+              <a:t>https://developers.ceramic.network/learn/features/</a:t>
             </a:r>
+            <a:endParaRPr lang="en-US" sz="1800" dirty="0"/>
+          </a:p>
+          <a:p>
+            <a:pPr marL="114300" indent="0">
+              <a:buNone/>
+            </a:pPr>
+            <a:endParaRPr lang="en-US" sz="1800" dirty="0"/>
+          </a:p>
+          <a:p>
+            <a:pPr marL="114300" indent="0">
+              <a:buNone/>
+            </a:pPr>
             <a:r>
               <a:rPr lang="en-US" sz="1800" dirty="0"/>
-              <a:t>/learn/features/</a:t>
+              <a:t>*This one not finish</a:t>
             </a:r>
             <a:endParaRPr sz="1800" dirty="0"/>
           </a:p>
